--- a/lab2_mitm/slides.pptx
+++ b/lab2_mitm/slides.pptx
@@ -7,7 +7,12 @@
   <p:sldIdLst>
     <p:sldId id="256" r:id="rId2"/>
     <p:sldId id="257" r:id="rId3"/>
-    <p:sldId id="258" r:id="rId4"/>
+    <p:sldId id="259" r:id="rId4"/>
+    <p:sldId id="260" r:id="rId5"/>
+    <p:sldId id="263" r:id="rId6"/>
+    <p:sldId id="261" r:id="rId7"/>
+    <p:sldId id="262" r:id="rId8"/>
+    <p:sldId id="258" r:id="rId9"/>
   </p:sldIdLst>
   <p:sldSz cx="12192000" cy="6858000"/>
   <p:notesSz cx="6858000" cy="9144000"/>
@@ -106,6 +111,11 @@
       </a:defRPr>
     </a:lvl9pPr>
   </p:defaultTextStyle>
+  <p:extLst>
+    <p:ext uri="{EFAFB233-063F-42B5-8137-9DF3F51BA10A}">
+      <p15:sldGuideLst xmlns:p15="http://schemas.microsoft.com/office/powerpoint/2012/main"/>
+    </p:ext>
+  </p:extLst>
 </p:presentation>
 </file>
 
@@ -6147,7 +6157,14 @@
           <a:lstStyle/>
           <a:p>
             <a:r>
-              <a:rPr kumimoji="1" lang="zh-CN" altLang="en-US" sz="3600" b="1" dirty="0"/>
+              <a:rPr kumimoji="1" lang="zh-CN" altLang="en-US" sz="3600" b="1" dirty="0">
+                <a:solidFill>
+                  <a:schemeClr val="tx1">
+                    <a:lumMod val="65000"/>
+                    <a:lumOff val="35000"/>
+                  </a:schemeClr>
+                </a:solidFill>
+              </a:rPr>
               <a:t>陈晟祺  谭闻德</a:t>
             </a:r>
           </a:p>
@@ -6163,6 +6180,13 @@
   <p:clrMapOvr>
     <a:masterClrMapping/>
   </p:clrMapOvr>
+  <p:timing>
+    <p:tnLst>
+      <p:par>
+        <p:cTn id="1" dur="indefinite" restart="never" nodeType="tmRoot"/>
+      </p:par>
+    </p:tnLst>
+  </p:timing>
 </p:sld>
 </file>
 
@@ -6318,15 +6342,15 @@
           </a:p>
           <a:p>
             <a:r>
-              <a:rPr kumimoji="1" lang="zh-CN" altLang="en-US" sz="2400" dirty="0"/>
+              <a:rPr kumimoji="1" lang="zh-CN" altLang="en-US" sz="2400" b="1" dirty="0"/>
               <a:t>此外，通过自签发的证书，还可以对安全意识不高的用户实施对于</a:t>
             </a:r>
             <a:r>
-              <a:rPr kumimoji="1" lang="en-US" altLang="zh-CN" sz="2400" dirty="0"/>
+              <a:rPr kumimoji="1" lang="en-US" altLang="zh-CN" sz="2400" b="1" dirty="0"/>
               <a:t>HTTPS</a:t>
             </a:r>
             <a:r>
-              <a:rPr kumimoji="1" lang="zh-CN" altLang="en-US" sz="2400" dirty="0"/>
+              <a:rPr kumimoji="1" lang="zh-CN" altLang="en-US" sz="2400" b="1" dirty="0"/>
               <a:t>网站的中间人攻击。</a:t>
             </a:r>
           </a:p>
@@ -6342,6 +6366,13 @@
   <p:clrMapOvr>
     <a:masterClrMapping/>
   </p:clrMapOvr>
+  <p:timing>
+    <p:tnLst>
+      <p:par>
+        <p:cTn id="1" dur="indefinite" restart="never" nodeType="tmRoot"/>
+      </p:par>
+    </p:tnLst>
+  </p:timing>
 </p:sld>
 </file>
 
@@ -6377,18 +6408,1340 @@
           <a:bodyPr/>
           <a:lstStyle/>
           <a:p>
-            <a:endParaRPr kumimoji="1" lang="zh-CN" altLang="en-US"/>
-          </a:p>
-        </p:txBody>
-      </p:sp>
-      <p:sp>
-        <p:nvSpPr>
-          <p:cNvPr id="3" name="内容占位符 2"/>
-          <p:cNvSpPr>
-            <a:spLocks noGrp="1"/>
-          </p:cNvSpPr>
+            <a:r>
+              <a:rPr kumimoji="1" lang="zh-CN" altLang="en-US" dirty="0" smtClean="0"/>
+              <a:t>实验环境</a:t>
+            </a:r>
+            <a:endParaRPr kumimoji="1" lang="zh-CN" altLang="en-US" dirty="0"/>
+          </a:p>
+        </p:txBody>
+      </p:sp>
+      <p:graphicFrame>
+        <p:nvGraphicFramePr>
+          <p:cNvPr id="4" name="内容占位符 3"/>
+          <p:cNvGraphicFramePr>
+            <a:graphicFrameLocks noGrp="1"/>
+          </p:cNvGraphicFramePr>
           <p:nvPr>
             <p:ph sz="quarter" idx="13"/>
+            <p:extLst>
+              <p:ext uri="{D42A27DB-BD31-4B8C-83A1-F6EECF244321}">
+                <p14:modId xmlns:p14="http://schemas.microsoft.com/office/powerpoint/2010/main" val="90884454"/>
+              </p:ext>
+            </p:extLst>
+          </p:nvPr>
+        </p:nvGraphicFramePr>
+        <p:xfrm>
+          <a:off x="609946" y="1837767"/>
+          <a:ext cx="10515602" cy="2743200"/>
+        </p:xfrm>
+        <a:graphic>
+          <a:graphicData uri="http://schemas.openxmlformats.org/drawingml/2006/table">
+            <a:tbl>
+              <a:tblPr/>
+              <a:tblGrid>
+                <a:gridCol w="2514599"/>
+                <a:gridCol w="3343276"/>
+                <a:gridCol w="2257426"/>
+                <a:gridCol w="2400301"/>
+              </a:tblGrid>
+              <a:tr h="685800">
+                <a:tc>
+                  <a:txBody>
+                    <a:bodyPr/>
+                    <a:lstStyle/>
+                    <a:p>
+                      <a:pPr algn="l"/>
+                      <a:r>
+                        <a:rPr lang="zh-CN" altLang="en-US" sz="2400" b="1">
+                          <a:effectLst/>
+                          <a:latin typeface="Microsoft YaHei" charset="0"/>
+                          <a:ea typeface="Microsoft YaHei" charset="0"/>
+                          <a:cs typeface="Microsoft YaHei" charset="0"/>
+                        </a:rPr>
+                        <a:t>主机名</a:t>
+                      </a:r>
+                    </a:p>
+                  </a:txBody>
+                  <a:tcPr marL="165100" marR="165100" marT="76200" marB="76200" anchor="ctr">
+                    <a:lnL w="12700" cap="flat" cmpd="sng" algn="ctr">
+                      <a:solidFill>
+                        <a:srgbClr val="CCCCCC"/>
+                      </a:solidFill>
+                      <a:prstDash val="solid"/>
+                      <a:round/>
+                      <a:headEnd type="none" w="med" len="med"/>
+                      <a:tailEnd type="none" w="med" len="med"/>
+                    </a:lnL>
+                    <a:lnR w="12700" cap="flat" cmpd="sng" algn="ctr">
+                      <a:solidFill>
+                        <a:srgbClr val="CCCCCC"/>
+                      </a:solidFill>
+                      <a:prstDash val="solid"/>
+                      <a:round/>
+                      <a:headEnd type="none" w="med" len="med"/>
+                      <a:tailEnd type="none" w="med" len="med"/>
+                    </a:lnR>
+                    <a:lnT w="12700" cap="flat" cmpd="sng" algn="ctr">
+                      <a:solidFill>
+                        <a:srgbClr val="CCCCCC"/>
+                      </a:solidFill>
+                      <a:prstDash val="solid"/>
+                      <a:round/>
+                      <a:headEnd type="none" w="med" len="med"/>
+                      <a:tailEnd type="none" w="med" len="med"/>
+                    </a:lnT>
+                    <a:lnB w="12700" cap="flat" cmpd="sng" algn="ctr">
+                      <a:solidFill>
+                        <a:srgbClr val="CCCCCC"/>
+                      </a:solidFill>
+                      <a:prstDash val="solid"/>
+                      <a:round/>
+                      <a:headEnd type="none" w="med" len="med"/>
+                      <a:tailEnd type="none" w="med" len="med"/>
+                    </a:lnB>
+                    <a:solidFill>
+                      <a:srgbClr val="FFFFFF"/>
+                    </a:solidFill>
+                  </a:tcPr>
+                </a:tc>
+                <a:tc>
+                  <a:txBody>
+                    <a:bodyPr/>
+                    <a:lstStyle/>
+                    <a:p>
+                      <a:pPr algn="l"/>
+                      <a:r>
+                        <a:rPr lang="de-DE" sz="2400" b="1" dirty="0" err="1">
+                          <a:effectLst/>
+                          <a:latin typeface="Microsoft YaHei" charset="0"/>
+                          <a:ea typeface="Microsoft YaHei" charset="0"/>
+                          <a:cs typeface="Microsoft YaHei" charset="0"/>
+                        </a:rPr>
+                        <a:t>MAC地址</a:t>
+                      </a:r>
+                      <a:endParaRPr lang="de-DE" sz="2400" b="1" dirty="0">
+                        <a:effectLst/>
+                        <a:latin typeface="Microsoft YaHei" charset="0"/>
+                        <a:ea typeface="Microsoft YaHei" charset="0"/>
+                        <a:cs typeface="Microsoft YaHei" charset="0"/>
+                      </a:endParaRPr>
+                    </a:p>
+                  </a:txBody>
+                  <a:tcPr marL="165100" marR="165100" marT="76200" marB="76200" anchor="ctr">
+                    <a:lnL w="12700" cap="flat" cmpd="sng" algn="ctr">
+                      <a:solidFill>
+                        <a:srgbClr val="CCCCCC"/>
+                      </a:solidFill>
+                      <a:prstDash val="solid"/>
+                      <a:round/>
+                      <a:headEnd type="none" w="med" len="med"/>
+                      <a:tailEnd type="none" w="med" len="med"/>
+                    </a:lnL>
+                    <a:lnR w="12700" cap="flat" cmpd="sng" algn="ctr">
+                      <a:solidFill>
+                        <a:srgbClr val="CCCCCC"/>
+                      </a:solidFill>
+                      <a:prstDash val="solid"/>
+                      <a:round/>
+                      <a:headEnd type="none" w="med" len="med"/>
+                      <a:tailEnd type="none" w="med" len="med"/>
+                    </a:lnR>
+                    <a:lnT w="12700" cap="flat" cmpd="sng" algn="ctr">
+                      <a:solidFill>
+                        <a:srgbClr val="CCCCCC"/>
+                      </a:solidFill>
+                      <a:prstDash val="solid"/>
+                      <a:round/>
+                      <a:headEnd type="none" w="med" len="med"/>
+                      <a:tailEnd type="none" w="med" len="med"/>
+                    </a:lnT>
+                    <a:lnB w="12700" cap="flat" cmpd="sng" algn="ctr">
+                      <a:solidFill>
+                        <a:srgbClr val="CCCCCC"/>
+                      </a:solidFill>
+                      <a:prstDash val="solid"/>
+                      <a:round/>
+                      <a:headEnd type="none" w="med" len="med"/>
+                      <a:tailEnd type="none" w="med" len="med"/>
+                    </a:lnB>
+                    <a:solidFill>
+                      <a:srgbClr val="FFFFFF"/>
+                    </a:solidFill>
+                  </a:tcPr>
+                </a:tc>
+                <a:tc>
+                  <a:txBody>
+                    <a:bodyPr/>
+                    <a:lstStyle/>
+                    <a:p>
+                      <a:pPr algn="l"/>
+                      <a:r>
+                        <a:rPr lang="en-US" altLang="zh-TW" sz="2400" b="1">
+                          <a:effectLst/>
+                          <a:latin typeface="Microsoft YaHei" charset="0"/>
+                          <a:ea typeface="Microsoft YaHei" charset="0"/>
+                          <a:cs typeface="Microsoft YaHei" charset="0"/>
+                        </a:rPr>
+                        <a:t>IP</a:t>
+                      </a:r>
+                      <a:r>
+                        <a:rPr lang="zh-TW" altLang="en-US" sz="2400" b="1">
+                          <a:effectLst/>
+                          <a:latin typeface="Microsoft YaHei" charset="0"/>
+                          <a:ea typeface="Microsoft YaHei" charset="0"/>
+                          <a:cs typeface="Microsoft YaHei" charset="0"/>
+                        </a:rPr>
+                        <a:t>地址</a:t>
+                      </a:r>
+                    </a:p>
+                  </a:txBody>
+                  <a:tcPr marL="165100" marR="165100" marT="76200" marB="76200" anchor="ctr">
+                    <a:lnL w="12700" cap="flat" cmpd="sng" algn="ctr">
+                      <a:solidFill>
+                        <a:srgbClr val="CCCCCC"/>
+                      </a:solidFill>
+                      <a:prstDash val="solid"/>
+                      <a:round/>
+                      <a:headEnd type="none" w="med" len="med"/>
+                      <a:tailEnd type="none" w="med" len="med"/>
+                    </a:lnL>
+                    <a:lnR w="12700" cap="flat" cmpd="sng" algn="ctr">
+                      <a:solidFill>
+                        <a:srgbClr val="CCCCCC"/>
+                      </a:solidFill>
+                      <a:prstDash val="solid"/>
+                      <a:round/>
+                      <a:headEnd type="none" w="med" len="med"/>
+                      <a:tailEnd type="none" w="med" len="med"/>
+                    </a:lnR>
+                    <a:lnT w="12700" cap="flat" cmpd="sng" algn="ctr">
+                      <a:solidFill>
+                        <a:srgbClr val="CCCCCC"/>
+                      </a:solidFill>
+                      <a:prstDash val="solid"/>
+                      <a:round/>
+                      <a:headEnd type="none" w="med" len="med"/>
+                      <a:tailEnd type="none" w="med" len="med"/>
+                    </a:lnT>
+                    <a:lnB w="12700" cap="flat" cmpd="sng" algn="ctr">
+                      <a:solidFill>
+                        <a:srgbClr val="CCCCCC"/>
+                      </a:solidFill>
+                      <a:prstDash val="solid"/>
+                      <a:round/>
+                      <a:headEnd type="none" w="med" len="med"/>
+                      <a:tailEnd type="none" w="med" len="med"/>
+                    </a:lnB>
+                    <a:solidFill>
+                      <a:srgbClr val="FFFFFF"/>
+                    </a:solidFill>
+                  </a:tcPr>
+                </a:tc>
+                <a:tc>
+                  <a:txBody>
+                    <a:bodyPr/>
+                    <a:lstStyle/>
+                    <a:p>
+                      <a:pPr algn="l"/>
+                      <a:r>
+                        <a:rPr lang="zh-CN" altLang="en-US" sz="2400" b="1" dirty="0">
+                          <a:effectLst/>
+                          <a:latin typeface="Microsoft YaHei" charset="0"/>
+                          <a:ea typeface="Microsoft YaHei" charset="0"/>
+                          <a:cs typeface="Microsoft YaHei" charset="0"/>
+                        </a:rPr>
+                        <a:t>操作系统</a:t>
+                      </a:r>
+                    </a:p>
+                  </a:txBody>
+                  <a:tcPr marL="165100" marR="165100" marT="76200" marB="76200" anchor="ctr">
+                    <a:lnL w="12700" cap="flat" cmpd="sng" algn="ctr">
+                      <a:solidFill>
+                        <a:srgbClr val="CCCCCC"/>
+                      </a:solidFill>
+                      <a:prstDash val="solid"/>
+                      <a:round/>
+                      <a:headEnd type="none" w="med" len="med"/>
+                      <a:tailEnd type="none" w="med" len="med"/>
+                    </a:lnL>
+                    <a:lnR w="12700" cap="flat" cmpd="sng" algn="ctr">
+                      <a:solidFill>
+                        <a:srgbClr val="CCCCCC"/>
+                      </a:solidFill>
+                      <a:prstDash val="solid"/>
+                      <a:round/>
+                      <a:headEnd type="none" w="med" len="med"/>
+                      <a:tailEnd type="none" w="med" len="med"/>
+                    </a:lnR>
+                    <a:lnT w="12700" cap="flat" cmpd="sng" algn="ctr">
+                      <a:solidFill>
+                        <a:srgbClr val="CCCCCC"/>
+                      </a:solidFill>
+                      <a:prstDash val="solid"/>
+                      <a:round/>
+                      <a:headEnd type="none" w="med" len="med"/>
+                      <a:tailEnd type="none" w="med" len="med"/>
+                    </a:lnT>
+                    <a:lnB w="12700" cap="flat" cmpd="sng" algn="ctr">
+                      <a:solidFill>
+                        <a:srgbClr val="CCCCCC"/>
+                      </a:solidFill>
+                      <a:prstDash val="solid"/>
+                      <a:round/>
+                      <a:headEnd type="none" w="med" len="med"/>
+                      <a:tailEnd type="none" w="med" len="med"/>
+                    </a:lnB>
+                    <a:solidFill>
+                      <a:srgbClr val="FFFFFF"/>
+                    </a:solidFill>
+                  </a:tcPr>
+                </a:tc>
+              </a:tr>
+              <a:tr h="685800">
+                <a:tc>
+                  <a:txBody>
+                    <a:bodyPr/>
+                    <a:lstStyle/>
+                    <a:p>
+                      <a:pPr algn="l"/>
+                      <a:r>
+                        <a:rPr lang="en-US" sz="2400" b="0" dirty="0" err="1">
+                          <a:effectLst/>
+                          <a:latin typeface="Consolas" charset="0"/>
+                          <a:ea typeface="Consolas" charset="0"/>
+                          <a:cs typeface="Consolas" charset="0"/>
+                        </a:rPr>
+                        <a:t>nsl</a:t>
+                      </a:r>
+                      <a:r>
+                        <a:rPr lang="en-US" sz="2400" b="0" dirty="0">
+                          <a:effectLst/>
+                          <a:latin typeface="Consolas" charset="0"/>
+                          <a:ea typeface="Consolas" charset="0"/>
+                          <a:cs typeface="Consolas" charset="0"/>
+                        </a:rPr>
+                        <a:t>-gateway</a:t>
+                      </a:r>
+                    </a:p>
+                  </a:txBody>
+                  <a:tcPr marL="165100" marR="165100" marT="76200" marB="76200" anchor="ctr">
+                    <a:lnL w="12700" cap="flat" cmpd="sng" algn="ctr">
+                      <a:solidFill>
+                        <a:srgbClr val="CCCCCC"/>
+                      </a:solidFill>
+                      <a:prstDash val="solid"/>
+                      <a:round/>
+                      <a:headEnd type="none" w="med" len="med"/>
+                      <a:tailEnd type="none" w="med" len="med"/>
+                    </a:lnL>
+                    <a:lnR w="12700" cap="flat" cmpd="sng" algn="ctr">
+                      <a:solidFill>
+                        <a:srgbClr val="CCCCCC"/>
+                      </a:solidFill>
+                      <a:prstDash val="solid"/>
+                      <a:round/>
+                      <a:headEnd type="none" w="med" len="med"/>
+                      <a:tailEnd type="none" w="med" len="med"/>
+                    </a:lnR>
+                    <a:lnT w="12700" cap="flat" cmpd="sng" algn="ctr">
+                      <a:solidFill>
+                        <a:srgbClr val="CCCCCC"/>
+                      </a:solidFill>
+                      <a:prstDash val="solid"/>
+                      <a:round/>
+                      <a:headEnd type="none" w="med" len="med"/>
+                      <a:tailEnd type="none" w="med" len="med"/>
+                    </a:lnT>
+                    <a:lnB w="12700" cap="flat" cmpd="sng" algn="ctr">
+                      <a:solidFill>
+                        <a:srgbClr val="CCCCCC"/>
+                      </a:solidFill>
+                      <a:prstDash val="solid"/>
+                      <a:round/>
+                      <a:headEnd type="none" w="med" len="med"/>
+                      <a:tailEnd type="none" w="med" len="med"/>
+                    </a:lnB>
+                    <a:solidFill>
+                      <a:srgbClr val="FFFFFF"/>
+                    </a:solidFill>
+                  </a:tcPr>
+                </a:tc>
+                <a:tc>
+                  <a:txBody>
+                    <a:bodyPr/>
+                    <a:lstStyle/>
+                    <a:p>
+                      <a:pPr algn="l"/>
+                      <a:r>
+                        <a:rPr lang="is-IS" sz="2400" b="0" dirty="0">
+                          <a:effectLst/>
+                          <a:latin typeface="Consolas" charset="0"/>
+                          <a:ea typeface="Consolas" charset="0"/>
+                          <a:cs typeface="Consolas" charset="0"/>
+                        </a:rPr>
+                        <a:t>00:50:56:b1:16:1b</a:t>
+                      </a:r>
+                    </a:p>
+                  </a:txBody>
+                  <a:tcPr marL="165100" marR="165100" marT="76200" marB="76200" anchor="ctr">
+                    <a:lnL w="12700" cap="flat" cmpd="sng" algn="ctr">
+                      <a:solidFill>
+                        <a:srgbClr val="CCCCCC"/>
+                      </a:solidFill>
+                      <a:prstDash val="solid"/>
+                      <a:round/>
+                      <a:headEnd type="none" w="med" len="med"/>
+                      <a:tailEnd type="none" w="med" len="med"/>
+                    </a:lnL>
+                    <a:lnR w="12700" cap="flat" cmpd="sng" algn="ctr">
+                      <a:solidFill>
+                        <a:srgbClr val="CCCCCC"/>
+                      </a:solidFill>
+                      <a:prstDash val="solid"/>
+                      <a:round/>
+                      <a:headEnd type="none" w="med" len="med"/>
+                      <a:tailEnd type="none" w="med" len="med"/>
+                    </a:lnR>
+                    <a:lnT w="12700" cap="flat" cmpd="sng" algn="ctr">
+                      <a:solidFill>
+                        <a:srgbClr val="CCCCCC"/>
+                      </a:solidFill>
+                      <a:prstDash val="solid"/>
+                      <a:round/>
+                      <a:headEnd type="none" w="med" len="med"/>
+                      <a:tailEnd type="none" w="med" len="med"/>
+                    </a:lnT>
+                    <a:lnB w="12700" cap="flat" cmpd="sng" algn="ctr">
+                      <a:solidFill>
+                        <a:srgbClr val="CCCCCC"/>
+                      </a:solidFill>
+                      <a:prstDash val="solid"/>
+                      <a:round/>
+                      <a:headEnd type="none" w="med" len="med"/>
+                      <a:tailEnd type="none" w="med" len="med"/>
+                    </a:lnB>
+                    <a:solidFill>
+                      <a:srgbClr val="FFFFFF"/>
+                    </a:solidFill>
+                  </a:tcPr>
+                </a:tc>
+                <a:tc>
+                  <a:txBody>
+                    <a:bodyPr/>
+                    <a:lstStyle/>
+                    <a:p>
+                      <a:pPr algn="l"/>
+                      <a:r>
+                        <a:rPr lang="hr-HR" sz="2400" b="0" dirty="0">
+                          <a:effectLst/>
+                          <a:latin typeface="Consolas" charset="0"/>
+                          <a:ea typeface="Consolas" charset="0"/>
+                          <a:cs typeface="Consolas" charset="0"/>
+                        </a:rPr>
+                        <a:t>10.1.1.1/24</a:t>
+                      </a:r>
+                    </a:p>
+                  </a:txBody>
+                  <a:tcPr marL="165100" marR="165100" marT="76200" marB="76200" anchor="ctr">
+                    <a:lnL w="12700" cap="flat" cmpd="sng" algn="ctr">
+                      <a:solidFill>
+                        <a:srgbClr val="CCCCCC"/>
+                      </a:solidFill>
+                      <a:prstDash val="solid"/>
+                      <a:round/>
+                      <a:headEnd type="none" w="med" len="med"/>
+                      <a:tailEnd type="none" w="med" len="med"/>
+                    </a:lnL>
+                    <a:lnR w="12700" cap="flat" cmpd="sng" algn="ctr">
+                      <a:solidFill>
+                        <a:srgbClr val="CCCCCC"/>
+                      </a:solidFill>
+                      <a:prstDash val="solid"/>
+                      <a:round/>
+                      <a:headEnd type="none" w="med" len="med"/>
+                      <a:tailEnd type="none" w="med" len="med"/>
+                    </a:lnR>
+                    <a:lnT w="12700" cap="flat" cmpd="sng" algn="ctr">
+                      <a:solidFill>
+                        <a:srgbClr val="CCCCCC"/>
+                      </a:solidFill>
+                      <a:prstDash val="solid"/>
+                      <a:round/>
+                      <a:headEnd type="none" w="med" len="med"/>
+                      <a:tailEnd type="none" w="med" len="med"/>
+                    </a:lnT>
+                    <a:lnB w="12700" cap="flat" cmpd="sng" algn="ctr">
+                      <a:solidFill>
+                        <a:srgbClr val="CCCCCC"/>
+                      </a:solidFill>
+                      <a:prstDash val="solid"/>
+                      <a:round/>
+                      <a:headEnd type="none" w="med" len="med"/>
+                      <a:tailEnd type="none" w="med" len="med"/>
+                    </a:lnB>
+                    <a:solidFill>
+                      <a:srgbClr val="FFFFFF"/>
+                    </a:solidFill>
+                  </a:tcPr>
+                </a:tc>
+                <a:tc>
+                  <a:txBody>
+                    <a:bodyPr/>
+                    <a:lstStyle/>
+                    <a:p>
+                      <a:pPr algn="l"/>
+                      <a:r>
+                        <a:rPr lang="pl-PL" sz="2400" b="0">
+                          <a:effectLst/>
+                          <a:latin typeface="Consolas" charset="0"/>
+                          <a:ea typeface="Consolas" charset="0"/>
+                          <a:cs typeface="Consolas" charset="0"/>
+                        </a:rPr>
+                        <a:t>Ubuntu 18.04</a:t>
+                      </a:r>
+                    </a:p>
+                  </a:txBody>
+                  <a:tcPr marL="165100" marR="165100" marT="76200" marB="76200" anchor="ctr">
+                    <a:lnL w="12700" cap="flat" cmpd="sng" algn="ctr">
+                      <a:solidFill>
+                        <a:srgbClr val="CCCCCC"/>
+                      </a:solidFill>
+                      <a:prstDash val="solid"/>
+                      <a:round/>
+                      <a:headEnd type="none" w="med" len="med"/>
+                      <a:tailEnd type="none" w="med" len="med"/>
+                    </a:lnL>
+                    <a:lnR w="12700" cap="flat" cmpd="sng" algn="ctr">
+                      <a:solidFill>
+                        <a:srgbClr val="CCCCCC"/>
+                      </a:solidFill>
+                      <a:prstDash val="solid"/>
+                      <a:round/>
+                      <a:headEnd type="none" w="med" len="med"/>
+                      <a:tailEnd type="none" w="med" len="med"/>
+                    </a:lnR>
+                    <a:lnT w="12700" cap="flat" cmpd="sng" algn="ctr">
+                      <a:solidFill>
+                        <a:srgbClr val="CCCCCC"/>
+                      </a:solidFill>
+                      <a:prstDash val="solid"/>
+                      <a:round/>
+                      <a:headEnd type="none" w="med" len="med"/>
+                      <a:tailEnd type="none" w="med" len="med"/>
+                    </a:lnT>
+                    <a:lnB w="12700" cap="flat" cmpd="sng" algn="ctr">
+                      <a:solidFill>
+                        <a:srgbClr val="CCCCCC"/>
+                      </a:solidFill>
+                      <a:prstDash val="solid"/>
+                      <a:round/>
+                      <a:headEnd type="none" w="med" len="med"/>
+                      <a:tailEnd type="none" w="med" len="med"/>
+                    </a:lnB>
+                    <a:solidFill>
+                      <a:srgbClr val="FFFFFF"/>
+                    </a:solidFill>
+                  </a:tcPr>
+                </a:tc>
+              </a:tr>
+              <a:tr h="685800">
+                <a:tc>
+                  <a:txBody>
+                    <a:bodyPr/>
+                    <a:lstStyle/>
+                    <a:p>
+                      <a:pPr algn="l"/>
+                      <a:r>
+                        <a:rPr lang="en-US" sz="2400" b="0">
+                          <a:effectLst/>
+                          <a:latin typeface="Consolas" charset="0"/>
+                          <a:ea typeface="Consolas" charset="0"/>
+                          <a:cs typeface="Consolas" charset="0"/>
+                        </a:rPr>
+                        <a:t>nsl-victim</a:t>
+                      </a:r>
+                    </a:p>
+                  </a:txBody>
+                  <a:tcPr marL="165100" marR="165100" marT="76200" marB="76200" anchor="ctr">
+                    <a:lnL w="12700" cap="flat" cmpd="sng" algn="ctr">
+                      <a:solidFill>
+                        <a:srgbClr val="CCCCCC"/>
+                      </a:solidFill>
+                      <a:prstDash val="solid"/>
+                      <a:round/>
+                      <a:headEnd type="none" w="med" len="med"/>
+                      <a:tailEnd type="none" w="med" len="med"/>
+                    </a:lnL>
+                    <a:lnR w="12700" cap="flat" cmpd="sng" algn="ctr">
+                      <a:solidFill>
+                        <a:srgbClr val="CCCCCC"/>
+                      </a:solidFill>
+                      <a:prstDash val="solid"/>
+                      <a:round/>
+                      <a:headEnd type="none" w="med" len="med"/>
+                      <a:tailEnd type="none" w="med" len="med"/>
+                    </a:lnR>
+                    <a:lnT w="12700" cap="flat" cmpd="sng" algn="ctr">
+                      <a:solidFill>
+                        <a:srgbClr val="CCCCCC"/>
+                      </a:solidFill>
+                      <a:prstDash val="solid"/>
+                      <a:round/>
+                      <a:headEnd type="none" w="med" len="med"/>
+                      <a:tailEnd type="none" w="med" len="med"/>
+                    </a:lnT>
+                    <a:lnB w="12700" cap="flat" cmpd="sng" algn="ctr">
+                      <a:solidFill>
+                        <a:srgbClr val="CCCCCC"/>
+                      </a:solidFill>
+                      <a:prstDash val="solid"/>
+                      <a:round/>
+                      <a:headEnd type="none" w="med" len="med"/>
+                      <a:tailEnd type="none" w="med" len="med"/>
+                    </a:lnB>
+                    <a:solidFill>
+                      <a:srgbClr val="F8F8F8"/>
+                    </a:solidFill>
+                  </a:tcPr>
+                </a:tc>
+                <a:tc>
+                  <a:txBody>
+                    <a:bodyPr/>
+                    <a:lstStyle/>
+                    <a:p>
+                      <a:pPr algn="l"/>
+                      <a:r>
+                        <a:rPr lang="is-IS" sz="2400" b="0">
+                          <a:effectLst/>
+                          <a:latin typeface="Consolas" charset="0"/>
+                          <a:ea typeface="Consolas" charset="0"/>
+                          <a:cs typeface="Consolas" charset="0"/>
+                        </a:rPr>
+                        <a:t>00:50:56:b1:17:36</a:t>
+                      </a:r>
+                    </a:p>
+                  </a:txBody>
+                  <a:tcPr marL="165100" marR="165100" marT="76200" marB="76200" anchor="ctr">
+                    <a:lnL w="12700" cap="flat" cmpd="sng" algn="ctr">
+                      <a:solidFill>
+                        <a:srgbClr val="CCCCCC"/>
+                      </a:solidFill>
+                      <a:prstDash val="solid"/>
+                      <a:round/>
+                      <a:headEnd type="none" w="med" len="med"/>
+                      <a:tailEnd type="none" w="med" len="med"/>
+                    </a:lnL>
+                    <a:lnR w="12700" cap="flat" cmpd="sng" algn="ctr">
+                      <a:solidFill>
+                        <a:srgbClr val="CCCCCC"/>
+                      </a:solidFill>
+                      <a:prstDash val="solid"/>
+                      <a:round/>
+                      <a:headEnd type="none" w="med" len="med"/>
+                      <a:tailEnd type="none" w="med" len="med"/>
+                    </a:lnR>
+                    <a:lnT w="12700" cap="flat" cmpd="sng" algn="ctr">
+                      <a:solidFill>
+                        <a:srgbClr val="CCCCCC"/>
+                      </a:solidFill>
+                      <a:prstDash val="solid"/>
+                      <a:round/>
+                      <a:headEnd type="none" w="med" len="med"/>
+                      <a:tailEnd type="none" w="med" len="med"/>
+                    </a:lnT>
+                    <a:lnB w="12700" cap="flat" cmpd="sng" algn="ctr">
+                      <a:solidFill>
+                        <a:srgbClr val="CCCCCC"/>
+                      </a:solidFill>
+                      <a:prstDash val="solid"/>
+                      <a:round/>
+                      <a:headEnd type="none" w="med" len="med"/>
+                      <a:tailEnd type="none" w="med" len="med"/>
+                    </a:lnB>
+                    <a:solidFill>
+                      <a:srgbClr val="F8F8F8"/>
+                    </a:solidFill>
+                  </a:tcPr>
+                </a:tc>
+                <a:tc>
+                  <a:txBody>
+                    <a:bodyPr/>
+                    <a:lstStyle/>
+                    <a:p>
+                      <a:pPr algn="l"/>
+                      <a:r>
+                        <a:rPr lang="pt-BR" sz="2400" b="0">
+                          <a:effectLst/>
+                          <a:latin typeface="Consolas" charset="0"/>
+                          <a:ea typeface="Consolas" charset="0"/>
+                          <a:cs typeface="Consolas" charset="0"/>
+                        </a:rPr>
+                        <a:t>10.1.1.2/24</a:t>
+                      </a:r>
+                    </a:p>
+                  </a:txBody>
+                  <a:tcPr marL="165100" marR="165100" marT="76200" marB="76200" anchor="ctr">
+                    <a:lnL w="12700" cap="flat" cmpd="sng" algn="ctr">
+                      <a:solidFill>
+                        <a:srgbClr val="CCCCCC"/>
+                      </a:solidFill>
+                      <a:prstDash val="solid"/>
+                      <a:round/>
+                      <a:headEnd type="none" w="med" len="med"/>
+                      <a:tailEnd type="none" w="med" len="med"/>
+                    </a:lnL>
+                    <a:lnR w="12700" cap="flat" cmpd="sng" algn="ctr">
+                      <a:solidFill>
+                        <a:srgbClr val="CCCCCC"/>
+                      </a:solidFill>
+                      <a:prstDash val="solid"/>
+                      <a:round/>
+                      <a:headEnd type="none" w="med" len="med"/>
+                      <a:tailEnd type="none" w="med" len="med"/>
+                    </a:lnR>
+                    <a:lnT w="12700" cap="flat" cmpd="sng" algn="ctr">
+                      <a:solidFill>
+                        <a:srgbClr val="CCCCCC"/>
+                      </a:solidFill>
+                      <a:prstDash val="solid"/>
+                      <a:round/>
+                      <a:headEnd type="none" w="med" len="med"/>
+                      <a:tailEnd type="none" w="med" len="med"/>
+                    </a:lnT>
+                    <a:lnB w="12700" cap="flat" cmpd="sng" algn="ctr">
+                      <a:solidFill>
+                        <a:srgbClr val="CCCCCC"/>
+                      </a:solidFill>
+                      <a:prstDash val="solid"/>
+                      <a:round/>
+                      <a:headEnd type="none" w="med" len="med"/>
+                      <a:tailEnd type="none" w="med" len="med"/>
+                    </a:lnB>
+                    <a:solidFill>
+                      <a:srgbClr val="F8F8F8"/>
+                    </a:solidFill>
+                  </a:tcPr>
+                </a:tc>
+                <a:tc>
+                  <a:txBody>
+                    <a:bodyPr/>
+                    <a:lstStyle/>
+                    <a:p>
+                      <a:pPr algn="l"/>
+                      <a:r>
+                        <a:rPr lang="pl-PL" sz="2400" b="0">
+                          <a:effectLst/>
+                          <a:latin typeface="Consolas" charset="0"/>
+                          <a:ea typeface="Consolas" charset="0"/>
+                          <a:cs typeface="Consolas" charset="0"/>
+                        </a:rPr>
+                        <a:t>Ubuntu 18.04</a:t>
+                      </a:r>
+                    </a:p>
+                  </a:txBody>
+                  <a:tcPr marL="165100" marR="165100" marT="76200" marB="76200" anchor="ctr">
+                    <a:lnL w="12700" cap="flat" cmpd="sng" algn="ctr">
+                      <a:solidFill>
+                        <a:srgbClr val="CCCCCC"/>
+                      </a:solidFill>
+                      <a:prstDash val="solid"/>
+                      <a:round/>
+                      <a:headEnd type="none" w="med" len="med"/>
+                      <a:tailEnd type="none" w="med" len="med"/>
+                    </a:lnL>
+                    <a:lnR w="12700" cap="flat" cmpd="sng" algn="ctr">
+                      <a:solidFill>
+                        <a:srgbClr val="CCCCCC"/>
+                      </a:solidFill>
+                      <a:prstDash val="solid"/>
+                      <a:round/>
+                      <a:headEnd type="none" w="med" len="med"/>
+                      <a:tailEnd type="none" w="med" len="med"/>
+                    </a:lnR>
+                    <a:lnT w="12700" cap="flat" cmpd="sng" algn="ctr">
+                      <a:solidFill>
+                        <a:srgbClr val="CCCCCC"/>
+                      </a:solidFill>
+                      <a:prstDash val="solid"/>
+                      <a:round/>
+                      <a:headEnd type="none" w="med" len="med"/>
+                      <a:tailEnd type="none" w="med" len="med"/>
+                    </a:lnT>
+                    <a:lnB w="12700" cap="flat" cmpd="sng" algn="ctr">
+                      <a:solidFill>
+                        <a:srgbClr val="CCCCCC"/>
+                      </a:solidFill>
+                      <a:prstDash val="solid"/>
+                      <a:round/>
+                      <a:headEnd type="none" w="med" len="med"/>
+                      <a:tailEnd type="none" w="med" len="med"/>
+                    </a:lnB>
+                    <a:solidFill>
+                      <a:srgbClr val="F8F8F8"/>
+                    </a:solidFill>
+                  </a:tcPr>
+                </a:tc>
+              </a:tr>
+              <a:tr h="685800">
+                <a:tc>
+                  <a:txBody>
+                    <a:bodyPr/>
+                    <a:lstStyle/>
+                    <a:p>
+                      <a:pPr algn="l"/>
+                      <a:r>
+                        <a:rPr lang="en-US" sz="2400" b="0">
+                          <a:effectLst/>
+                          <a:latin typeface="Consolas" charset="0"/>
+                          <a:ea typeface="Consolas" charset="0"/>
+                          <a:cs typeface="Consolas" charset="0"/>
+                        </a:rPr>
+                        <a:t>nsl-attacker</a:t>
+                      </a:r>
+                    </a:p>
+                  </a:txBody>
+                  <a:tcPr marL="165100" marR="165100" marT="76200" marB="76200" anchor="ctr">
+                    <a:lnL w="12700" cap="flat" cmpd="sng" algn="ctr">
+                      <a:solidFill>
+                        <a:srgbClr val="CCCCCC"/>
+                      </a:solidFill>
+                      <a:prstDash val="solid"/>
+                      <a:round/>
+                      <a:headEnd type="none" w="med" len="med"/>
+                      <a:tailEnd type="none" w="med" len="med"/>
+                    </a:lnL>
+                    <a:lnR w="12700" cap="flat" cmpd="sng" algn="ctr">
+                      <a:solidFill>
+                        <a:srgbClr val="CCCCCC"/>
+                      </a:solidFill>
+                      <a:prstDash val="solid"/>
+                      <a:round/>
+                      <a:headEnd type="none" w="med" len="med"/>
+                      <a:tailEnd type="none" w="med" len="med"/>
+                    </a:lnR>
+                    <a:lnT w="12700" cap="flat" cmpd="sng" algn="ctr">
+                      <a:solidFill>
+                        <a:srgbClr val="CCCCCC"/>
+                      </a:solidFill>
+                      <a:prstDash val="solid"/>
+                      <a:round/>
+                      <a:headEnd type="none" w="med" len="med"/>
+                      <a:tailEnd type="none" w="med" len="med"/>
+                    </a:lnT>
+                    <a:lnB w="12700" cap="flat" cmpd="sng" algn="ctr">
+                      <a:solidFill>
+                        <a:srgbClr val="CCCCCC"/>
+                      </a:solidFill>
+                      <a:prstDash val="solid"/>
+                      <a:round/>
+                      <a:headEnd type="none" w="med" len="med"/>
+                      <a:tailEnd type="none" w="med" len="med"/>
+                    </a:lnB>
+                    <a:solidFill>
+                      <a:srgbClr val="FFFFFF"/>
+                    </a:solidFill>
+                  </a:tcPr>
+                </a:tc>
+                <a:tc>
+                  <a:txBody>
+                    <a:bodyPr/>
+                    <a:lstStyle/>
+                    <a:p>
+                      <a:pPr algn="l"/>
+                      <a:r>
+                        <a:rPr lang="is-IS" sz="2400" b="0">
+                          <a:effectLst/>
+                          <a:latin typeface="Consolas" charset="0"/>
+                          <a:ea typeface="Consolas" charset="0"/>
+                          <a:cs typeface="Consolas" charset="0"/>
+                        </a:rPr>
+                        <a:t>00:50:56:b1:f9:0a</a:t>
+                      </a:r>
+                    </a:p>
+                  </a:txBody>
+                  <a:tcPr marL="165100" marR="165100" marT="76200" marB="76200" anchor="ctr">
+                    <a:lnL w="12700" cap="flat" cmpd="sng" algn="ctr">
+                      <a:solidFill>
+                        <a:srgbClr val="CCCCCC"/>
+                      </a:solidFill>
+                      <a:prstDash val="solid"/>
+                      <a:round/>
+                      <a:headEnd type="none" w="med" len="med"/>
+                      <a:tailEnd type="none" w="med" len="med"/>
+                    </a:lnL>
+                    <a:lnR w="12700" cap="flat" cmpd="sng" algn="ctr">
+                      <a:solidFill>
+                        <a:srgbClr val="CCCCCC"/>
+                      </a:solidFill>
+                      <a:prstDash val="solid"/>
+                      <a:round/>
+                      <a:headEnd type="none" w="med" len="med"/>
+                      <a:tailEnd type="none" w="med" len="med"/>
+                    </a:lnR>
+                    <a:lnT w="12700" cap="flat" cmpd="sng" algn="ctr">
+                      <a:solidFill>
+                        <a:srgbClr val="CCCCCC"/>
+                      </a:solidFill>
+                      <a:prstDash val="solid"/>
+                      <a:round/>
+                      <a:headEnd type="none" w="med" len="med"/>
+                      <a:tailEnd type="none" w="med" len="med"/>
+                    </a:lnT>
+                    <a:lnB w="12700" cap="flat" cmpd="sng" algn="ctr">
+                      <a:solidFill>
+                        <a:srgbClr val="CCCCCC"/>
+                      </a:solidFill>
+                      <a:prstDash val="solid"/>
+                      <a:round/>
+                      <a:headEnd type="none" w="med" len="med"/>
+                      <a:tailEnd type="none" w="med" len="med"/>
+                    </a:lnB>
+                    <a:solidFill>
+                      <a:srgbClr val="FFFFFF"/>
+                    </a:solidFill>
+                  </a:tcPr>
+                </a:tc>
+                <a:tc>
+                  <a:txBody>
+                    <a:bodyPr/>
+                    <a:lstStyle/>
+                    <a:p>
+                      <a:pPr algn="l"/>
+                      <a:r>
+                        <a:rPr lang="hr-HR" sz="2400" b="0">
+                          <a:effectLst/>
+                          <a:latin typeface="Consolas" charset="0"/>
+                          <a:ea typeface="Consolas" charset="0"/>
+                          <a:cs typeface="Consolas" charset="0"/>
+                        </a:rPr>
+                        <a:t>10.1.1.3/24</a:t>
+                      </a:r>
+                    </a:p>
+                  </a:txBody>
+                  <a:tcPr marL="165100" marR="165100" marT="76200" marB="76200" anchor="ctr">
+                    <a:lnL w="12700" cap="flat" cmpd="sng" algn="ctr">
+                      <a:solidFill>
+                        <a:srgbClr val="CCCCCC"/>
+                      </a:solidFill>
+                      <a:prstDash val="solid"/>
+                      <a:round/>
+                      <a:headEnd type="none" w="med" len="med"/>
+                      <a:tailEnd type="none" w="med" len="med"/>
+                    </a:lnL>
+                    <a:lnR w="12700" cap="flat" cmpd="sng" algn="ctr">
+                      <a:solidFill>
+                        <a:srgbClr val="CCCCCC"/>
+                      </a:solidFill>
+                      <a:prstDash val="solid"/>
+                      <a:round/>
+                      <a:headEnd type="none" w="med" len="med"/>
+                      <a:tailEnd type="none" w="med" len="med"/>
+                    </a:lnR>
+                    <a:lnT w="12700" cap="flat" cmpd="sng" algn="ctr">
+                      <a:solidFill>
+                        <a:srgbClr val="CCCCCC"/>
+                      </a:solidFill>
+                      <a:prstDash val="solid"/>
+                      <a:round/>
+                      <a:headEnd type="none" w="med" len="med"/>
+                      <a:tailEnd type="none" w="med" len="med"/>
+                    </a:lnT>
+                    <a:lnB w="12700" cap="flat" cmpd="sng" algn="ctr">
+                      <a:solidFill>
+                        <a:srgbClr val="CCCCCC"/>
+                      </a:solidFill>
+                      <a:prstDash val="solid"/>
+                      <a:round/>
+                      <a:headEnd type="none" w="med" len="med"/>
+                      <a:tailEnd type="none" w="med" len="med"/>
+                    </a:lnB>
+                    <a:solidFill>
+                      <a:srgbClr val="FFFFFF"/>
+                    </a:solidFill>
+                  </a:tcPr>
+                </a:tc>
+                <a:tc>
+                  <a:txBody>
+                    <a:bodyPr/>
+                    <a:lstStyle/>
+                    <a:p>
+                      <a:pPr algn="l"/>
+                      <a:r>
+                        <a:rPr lang="pl-PL" sz="2400" b="0" dirty="0" err="1">
+                          <a:effectLst/>
+                          <a:latin typeface="Consolas" charset="0"/>
+                          <a:ea typeface="Consolas" charset="0"/>
+                          <a:cs typeface="Consolas" charset="0"/>
+                        </a:rPr>
+                        <a:t>Ubuntu</a:t>
+                      </a:r>
+                      <a:r>
+                        <a:rPr lang="pl-PL" sz="2400" b="0" dirty="0">
+                          <a:effectLst/>
+                          <a:latin typeface="Consolas" charset="0"/>
+                          <a:ea typeface="Consolas" charset="0"/>
+                          <a:cs typeface="Consolas" charset="0"/>
+                        </a:rPr>
+                        <a:t> 18.04</a:t>
+                      </a:r>
+                    </a:p>
+                  </a:txBody>
+                  <a:tcPr marL="165100" marR="165100" marT="76200" marB="76200" anchor="ctr">
+                    <a:lnL w="12700" cap="flat" cmpd="sng" algn="ctr">
+                      <a:solidFill>
+                        <a:srgbClr val="CCCCCC"/>
+                      </a:solidFill>
+                      <a:prstDash val="solid"/>
+                      <a:round/>
+                      <a:headEnd type="none" w="med" len="med"/>
+                      <a:tailEnd type="none" w="med" len="med"/>
+                    </a:lnL>
+                    <a:lnR w="12700" cap="flat" cmpd="sng" algn="ctr">
+                      <a:solidFill>
+                        <a:srgbClr val="CCCCCC"/>
+                      </a:solidFill>
+                      <a:prstDash val="solid"/>
+                      <a:round/>
+                      <a:headEnd type="none" w="med" len="med"/>
+                      <a:tailEnd type="none" w="med" len="med"/>
+                    </a:lnR>
+                    <a:lnT w="12700" cap="flat" cmpd="sng" algn="ctr">
+                      <a:solidFill>
+                        <a:srgbClr val="CCCCCC"/>
+                      </a:solidFill>
+                      <a:prstDash val="solid"/>
+                      <a:round/>
+                      <a:headEnd type="none" w="med" len="med"/>
+                      <a:tailEnd type="none" w="med" len="med"/>
+                    </a:lnT>
+                    <a:lnB w="12700" cap="flat" cmpd="sng" algn="ctr">
+                      <a:solidFill>
+                        <a:srgbClr val="CCCCCC"/>
+                      </a:solidFill>
+                      <a:prstDash val="solid"/>
+                      <a:round/>
+                      <a:headEnd type="none" w="med" len="med"/>
+                      <a:tailEnd type="none" w="med" len="med"/>
+                    </a:lnB>
+                    <a:solidFill>
+                      <a:srgbClr val="FFFFFF"/>
+                    </a:solidFill>
+                  </a:tcPr>
+                </a:tc>
+              </a:tr>
+            </a:tbl>
+          </a:graphicData>
+        </a:graphic>
+      </p:graphicFrame>
+      <p:sp>
+        <p:nvSpPr>
+          <p:cNvPr id="6" name="内容占位符 2"/>
+          <p:cNvSpPr txBox="1">
+            <a:spLocks/>
+          </p:cNvSpPr>
+          <p:nvPr/>
+        </p:nvSpPr>
+        <p:spPr>
+          <a:xfrm>
+            <a:off x="685801" y="4652407"/>
+            <a:ext cx="10744199" cy="793619"/>
+          </a:xfrm>
+          <a:prstGeom prst="rect">
+            <a:avLst/>
+          </a:prstGeom>
+        </p:spPr>
+        <p:txBody>
+          <a:bodyPr vert="horz" lIns="91440" tIns="45720" rIns="91440" bIns="45720" rtlCol="0" anchor="ctr">
+            <a:noAutofit/>
+          </a:bodyPr>
+          <a:lstStyle>
+            <a:lvl1pPr marL="228594" indent="-228594" algn="l" defTabSz="914377" rtl="0" eaLnBrk="1" latinLnBrk="0" hangingPunct="1">
+              <a:lnSpc>
+                <a:spcPct val="120000"/>
+              </a:lnSpc>
+              <a:spcBef>
+                <a:spcPts val="1000"/>
+              </a:spcBef>
+              <a:buClr>
+                <a:schemeClr val="accent1"/>
+              </a:buClr>
+              <a:buSzPct val="160000"/>
+              <a:buFont typeface="Arial" panose="020B0604020202020204" pitchFamily="34" charset="0"/>
+              <a:buChar char="•"/>
+              <a:defRPr sz="2000" kern="1200" cap="all" baseline="0">
+                <a:solidFill>
+                  <a:schemeClr val="tx1"/>
+                </a:solidFill>
+                <a:effectLst/>
+                <a:latin typeface="Microsoft YaHei" charset="0"/>
+                <a:ea typeface="Microsoft YaHei" charset="0"/>
+                <a:cs typeface="Microsoft YaHei" charset="0"/>
+              </a:defRPr>
+            </a:lvl1pPr>
+            <a:lvl2pPr marL="685783" indent="-228594" algn="l" defTabSz="914377" rtl="0" eaLnBrk="1" latinLnBrk="0" hangingPunct="1">
+              <a:lnSpc>
+                <a:spcPct val="120000"/>
+              </a:lnSpc>
+              <a:spcBef>
+                <a:spcPts val="500"/>
+              </a:spcBef>
+              <a:buClr>
+                <a:schemeClr val="accent1"/>
+              </a:buClr>
+              <a:buSzPct val="160000"/>
+              <a:buFont typeface="Arial" panose="020B0604020202020204" pitchFamily="34" charset="0"/>
+              <a:buChar char="•"/>
+              <a:defRPr sz="1800" kern="1200" cap="all" baseline="0">
+                <a:solidFill>
+                  <a:schemeClr val="tx1"/>
+                </a:solidFill>
+                <a:effectLst/>
+                <a:latin typeface="Microsoft YaHei" charset="0"/>
+                <a:ea typeface="Microsoft YaHei" charset="0"/>
+                <a:cs typeface="Microsoft YaHei" charset="0"/>
+              </a:defRPr>
+            </a:lvl2pPr>
+            <a:lvl3pPr marL="1142971" indent="-228594" algn="l" defTabSz="914377" rtl="0" eaLnBrk="1" latinLnBrk="0" hangingPunct="1">
+              <a:lnSpc>
+                <a:spcPct val="120000"/>
+              </a:lnSpc>
+              <a:spcBef>
+                <a:spcPts val="500"/>
+              </a:spcBef>
+              <a:buClr>
+                <a:schemeClr val="accent1"/>
+              </a:buClr>
+              <a:buSzPct val="160000"/>
+              <a:buFont typeface="Arial" panose="020B0604020202020204" pitchFamily="34" charset="0"/>
+              <a:buChar char="•"/>
+              <a:defRPr sz="1600" kern="1200" cap="all" baseline="0">
+                <a:solidFill>
+                  <a:schemeClr val="tx1"/>
+                </a:solidFill>
+                <a:effectLst/>
+                <a:latin typeface="Microsoft YaHei" charset="0"/>
+                <a:ea typeface="Microsoft YaHei" charset="0"/>
+                <a:cs typeface="Microsoft YaHei" charset="0"/>
+              </a:defRPr>
+            </a:lvl3pPr>
+            <a:lvl4pPr marL="1600160" indent="-228594" algn="l" defTabSz="914377" rtl="0" eaLnBrk="1" latinLnBrk="0" hangingPunct="1">
+              <a:lnSpc>
+                <a:spcPct val="120000"/>
+              </a:lnSpc>
+              <a:spcBef>
+                <a:spcPts val="500"/>
+              </a:spcBef>
+              <a:buClr>
+                <a:schemeClr val="accent1"/>
+              </a:buClr>
+              <a:buSzPct val="160000"/>
+              <a:buFont typeface="Arial" panose="020B0604020202020204" pitchFamily="34" charset="0"/>
+              <a:buChar char="•"/>
+              <a:defRPr sz="1400" kern="1200" cap="all" baseline="0">
+                <a:solidFill>
+                  <a:schemeClr val="tx1"/>
+                </a:solidFill>
+                <a:effectLst/>
+                <a:latin typeface="Microsoft YaHei" charset="0"/>
+                <a:ea typeface="Microsoft YaHei" charset="0"/>
+                <a:cs typeface="Microsoft YaHei" charset="0"/>
+              </a:defRPr>
+            </a:lvl4pPr>
+            <a:lvl5pPr marL="2057349" indent="-228594" algn="l" defTabSz="914377" rtl="0" eaLnBrk="1" latinLnBrk="0" hangingPunct="1">
+              <a:lnSpc>
+                <a:spcPct val="120000"/>
+              </a:lnSpc>
+              <a:spcBef>
+                <a:spcPts val="500"/>
+              </a:spcBef>
+              <a:buClr>
+                <a:schemeClr val="accent1"/>
+              </a:buClr>
+              <a:buSzPct val="160000"/>
+              <a:buFont typeface="Arial" panose="020B0604020202020204" pitchFamily="34" charset="0"/>
+              <a:buChar char="•"/>
+              <a:defRPr sz="1400" kern="1200" cap="all" baseline="0">
+                <a:solidFill>
+                  <a:schemeClr val="tx1"/>
+                </a:solidFill>
+                <a:effectLst/>
+                <a:latin typeface="Microsoft YaHei" charset="0"/>
+                <a:ea typeface="Microsoft YaHei" charset="0"/>
+                <a:cs typeface="Microsoft YaHei" charset="0"/>
+              </a:defRPr>
+            </a:lvl5pPr>
+            <a:lvl6pPr marL="2514537" indent="-228594" algn="l" defTabSz="914377" rtl="0" eaLnBrk="1" latinLnBrk="0" hangingPunct="1">
+              <a:lnSpc>
+                <a:spcPct val="120000"/>
+              </a:lnSpc>
+              <a:spcBef>
+                <a:spcPts val="500"/>
+              </a:spcBef>
+              <a:buClr>
+                <a:schemeClr val="accent1"/>
+              </a:buClr>
+              <a:buSzPct val="160000"/>
+              <a:buFont typeface="Arial" panose="020B0604020202020204" pitchFamily="34" charset="0"/>
+              <a:buChar char="•"/>
+              <a:defRPr sz="1400" kern="1200" cap="all" baseline="0">
+                <a:solidFill>
+                  <a:schemeClr val="tx1"/>
+                </a:solidFill>
+                <a:effectLst/>
+                <a:latin typeface="+mn-lt"/>
+                <a:ea typeface="+mn-ea"/>
+                <a:cs typeface="+mn-cs"/>
+              </a:defRPr>
+            </a:lvl6pPr>
+            <a:lvl7pPr marL="2971726" indent="-228594" algn="l" defTabSz="914377" rtl="0" eaLnBrk="1" latinLnBrk="0" hangingPunct="1">
+              <a:lnSpc>
+                <a:spcPct val="120000"/>
+              </a:lnSpc>
+              <a:spcBef>
+                <a:spcPts val="500"/>
+              </a:spcBef>
+              <a:buClr>
+                <a:schemeClr val="accent1"/>
+              </a:buClr>
+              <a:buSzPct val="160000"/>
+              <a:buFont typeface="Arial" panose="020B0604020202020204" pitchFamily="34" charset="0"/>
+              <a:buChar char="•"/>
+              <a:defRPr sz="1400" kern="1200" cap="all" baseline="0">
+                <a:solidFill>
+                  <a:schemeClr val="tx1"/>
+                </a:solidFill>
+                <a:effectLst/>
+                <a:latin typeface="+mn-lt"/>
+                <a:ea typeface="+mn-ea"/>
+                <a:cs typeface="+mn-cs"/>
+              </a:defRPr>
+            </a:lvl7pPr>
+            <a:lvl8pPr marL="3428914" indent="-228594" algn="l" defTabSz="914377" rtl="0" eaLnBrk="1" latinLnBrk="0" hangingPunct="1">
+              <a:lnSpc>
+                <a:spcPct val="120000"/>
+              </a:lnSpc>
+              <a:spcBef>
+                <a:spcPts val="500"/>
+              </a:spcBef>
+              <a:buClr>
+                <a:schemeClr val="accent1"/>
+              </a:buClr>
+              <a:buSzPct val="160000"/>
+              <a:buFont typeface="Arial" panose="020B0604020202020204" pitchFamily="34" charset="0"/>
+              <a:buChar char="•"/>
+              <a:defRPr sz="1400" kern="1200" cap="all" baseline="0">
+                <a:solidFill>
+                  <a:schemeClr val="tx1"/>
+                </a:solidFill>
+                <a:effectLst/>
+                <a:latin typeface="+mn-lt"/>
+                <a:ea typeface="+mn-ea"/>
+                <a:cs typeface="+mn-cs"/>
+              </a:defRPr>
+            </a:lvl8pPr>
+            <a:lvl9pPr marL="3886103" indent="-228594" algn="l" defTabSz="914377" rtl="0" eaLnBrk="1" latinLnBrk="0" hangingPunct="1">
+              <a:lnSpc>
+                <a:spcPct val="120000"/>
+              </a:lnSpc>
+              <a:spcBef>
+                <a:spcPts val="500"/>
+              </a:spcBef>
+              <a:buClr>
+                <a:schemeClr val="accent1"/>
+              </a:buClr>
+              <a:buSzPct val="160000"/>
+              <a:buFont typeface="Arial" panose="020B0604020202020204" pitchFamily="34" charset="0"/>
+              <a:buChar char="•"/>
+              <a:defRPr sz="1400" kern="1200" cap="all" baseline="0">
+                <a:solidFill>
+                  <a:schemeClr val="tx1"/>
+                </a:solidFill>
+                <a:effectLst/>
+                <a:latin typeface="+mn-lt"/>
+                <a:ea typeface="+mn-ea"/>
+                <a:cs typeface="+mn-cs"/>
+              </a:defRPr>
+            </a:lvl9pPr>
+          </a:lstStyle>
+          <a:p>
+            <a:r>
+              <a:rPr kumimoji="1" lang="zh-CN" altLang="en-US" sz="2400" dirty="0" smtClean="0"/>
+              <a:t>本</a:t>
+            </a:r>
+            <a:r>
+              <a:rPr kumimoji="1" lang="zh-CN" altLang="en-US" sz="2400" dirty="0"/>
+              <a:t>实验还使用</a:t>
+            </a:r>
+            <a:r>
+              <a:rPr kumimoji="1" lang="en-US" altLang="zh-CN" sz="2400" dirty="0"/>
+              <a:t>TL-WDR7500</a:t>
+            </a:r>
+            <a:r>
+              <a:rPr kumimoji="1" lang="zh-CN" altLang="en-US" sz="2400" dirty="0"/>
+              <a:t>无线路由器搭建了一个模拟真实环境的无线</a:t>
+            </a:r>
+            <a:r>
+              <a:rPr kumimoji="1" lang="zh-CN" altLang="en-US" sz="2400" dirty="0" smtClean="0"/>
+              <a:t>网络，</a:t>
+            </a:r>
+            <a:r>
+              <a:rPr kumimoji="1" lang="zh-CN" altLang="en-US" sz="2400" dirty="0" smtClean="0"/>
+              <a:t>实验结果类似</a:t>
+            </a:r>
+            <a:r>
+              <a:rPr kumimoji="1" lang="zh-CN" altLang="en-US" sz="2400" dirty="0" smtClean="0"/>
+              <a:t>。</a:t>
+            </a:r>
+            <a:endParaRPr kumimoji="1" lang="zh-CN" altLang="en-US" sz="2400" b="1" dirty="0"/>
+          </a:p>
+        </p:txBody>
+      </p:sp>
+    </p:spTree>
+    <p:extLst>
+      <p:ext uri="{BB962C8B-B14F-4D97-AF65-F5344CB8AC3E}">
+        <p14:creationId xmlns:p14="http://schemas.microsoft.com/office/powerpoint/2010/main" val="818563495"/>
+      </p:ext>
+    </p:extLst>
+  </p:cSld>
+  <p:clrMapOvr>
+    <a:masterClrMapping/>
+  </p:clrMapOvr>
+  <p:timing>
+    <p:tnLst>
+      <p:par>
+        <p:cTn id="1" dur="indefinite" restart="never" nodeType="tmRoot"/>
+      </p:par>
+    </p:tnLst>
+  </p:timing>
+</p:sld>
+</file>
+
+<file path=ppt/slides/slide4.xml><?xml version="1.0" encoding="utf-8"?>
+<p:sld xmlns:a="http://schemas.openxmlformats.org/drawingml/2006/main" xmlns:r="http://schemas.openxmlformats.org/officeDocument/2006/relationships" xmlns:p="http://schemas.openxmlformats.org/presentationml/2006/main">
+  <p:cSld>
+    <p:spTree>
+      <p:nvGrpSpPr>
+        <p:cNvPr id="1" name=""/>
+        <p:cNvGrpSpPr/>
+        <p:nvPr/>
+      </p:nvGrpSpPr>
+      <p:grpSpPr>
+        <a:xfrm>
+          <a:off x="0" y="0"/>
+          <a:ext cx="0" cy="0"/>
+          <a:chOff x="0" y="0"/>
+          <a:chExt cx="0" cy="0"/>
+        </a:xfrm>
+      </p:grpSpPr>
+      <p:sp>
+        <p:nvSpPr>
+          <p:cNvPr id="2" name="标题 1"/>
+          <p:cNvSpPr>
+            <a:spLocks noGrp="1"/>
+          </p:cNvSpPr>
+          <p:nvPr>
+            <p:ph type="title"/>
           </p:nvPr>
         </p:nvSpPr>
         <p:spPr/>
@@ -6396,7 +7749,481 @@
           <a:bodyPr/>
           <a:lstStyle/>
           <a:p>
+            <a:r>
+              <a:rPr kumimoji="1" lang="zh-CN" altLang="en-US" dirty="0" smtClean="0"/>
+              <a:t>实验过程 </a:t>
+            </a:r>
+            <a:r>
+              <a:rPr kumimoji="1" lang="en-US" altLang="zh-CN" dirty="0" smtClean="0"/>
+              <a:t>—</a:t>
+            </a:r>
+            <a:r>
+              <a:rPr kumimoji="1" lang="zh-CN" altLang="en-US" dirty="0" smtClean="0"/>
+              <a:t> 双向</a:t>
+            </a:r>
+            <a:r>
+              <a:rPr kumimoji="1" lang="en-US" altLang="zh-CN" dirty="0"/>
+              <a:t>ARP</a:t>
+            </a:r>
+            <a:r>
+              <a:rPr kumimoji="1" lang="zh-CN" altLang="en-US" dirty="0"/>
+              <a:t>欺骗</a:t>
+            </a:r>
+            <a:endParaRPr kumimoji="1" lang="zh-CN" altLang="en-US" dirty="0"/>
+          </a:p>
+        </p:txBody>
+      </p:sp>
+      <p:sp>
+        <p:nvSpPr>
+          <p:cNvPr id="3" name="内容占位符 2"/>
+          <p:cNvSpPr>
+            <a:spLocks noGrp="1"/>
+          </p:cNvSpPr>
+          <p:nvPr>
+            <p:ph sz="quarter" idx="13"/>
+          </p:nvPr>
+        </p:nvSpPr>
+        <p:spPr/>
+        <p:txBody>
+          <a:bodyPr>
+            <a:normAutofit fontScale="92500" lnSpcReduction="10000"/>
+          </a:bodyPr>
+          <a:lstStyle/>
+          <a:p>
+            <a:r>
+              <a:rPr kumimoji="1" lang="zh-CN" altLang="en-US" sz="3600" dirty="0" smtClean="0"/>
+              <a:t>打开包转发</a:t>
+            </a:r>
+          </a:p>
+          <a:p>
+            <a:r>
+              <a:rPr kumimoji="1" lang="zh-CN" altLang="en-US" sz="3600" dirty="0" smtClean="0"/>
+              <a:t>运行双向</a:t>
+            </a:r>
+            <a:r>
+              <a:rPr kumimoji="1" lang="en-US" altLang="zh-CN" sz="3600" dirty="0" smtClean="0"/>
+              <a:t>ARP</a:t>
+            </a:r>
+            <a:r>
+              <a:rPr kumimoji="1" lang="zh-CN" altLang="en-US" sz="3600" dirty="0" smtClean="0"/>
+              <a:t>欺骗脚本</a:t>
+            </a:r>
+          </a:p>
+          <a:p>
+            <a:r>
+              <a:rPr kumimoji="1" lang="zh-CN" altLang="en-US" sz="3600" dirty="0" smtClean="0"/>
+              <a:t>使用</a:t>
+            </a:r>
+            <a:r>
+              <a:rPr kumimoji="1" lang="en-US" altLang="zh-CN" sz="3600" dirty="0" err="1" smtClean="0"/>
+              <a:t>wireshark</a:t>
+            </a:r>
+            <a:r>
+              <a:rPr kumimoji="1" lang="zh-CN" altLang="en-US" sz="3600" dirty="0" smtClean="0"/>
+              <a:t>抓包</a:t>
+            </a:r>
+            <a:endParaRPr kumimoji="1" lang="en-US" altLang="zh-CN" sz="3600" dirty="0" smtClean="0"/>
+          </a:p>
+          <a:p>
+            <a:r>
+              <a:rPr kumimoji="1" lang="zh-CN" altLang="en-US" sz="3600" dirty="0" smtClean="0"/>
+              <a:t>注：在真实环境中，欺骗网关失败，只能获得受害者发向网关的数据包。</a:t>
+            </a:r>
+            <a:endParaRPr kumimoji="1" lang="zh-CN" altLang="en-US" sz="3600" dirty="0"/>
+          </a:p>
+        </p:txBody>
+      </p:sp>
+    </p:spTree>
+    <p:extLst>
+      <p:ext uri="{BB962C8B-B14F-4D97-AF65-F5344CB8AC3E}">
+        <p14:creationId xmlns:p14="http://schemas.microsoft.com/office/powerpoint/2010/main" val="119742266"/>
+      </p:ext>
+    </p:extLst>
+  </p:cSld>
+  <p:clrMapOvr>
+    <a:masterClrMapping/>
+  </p:clrMapOvr>
+  <p:timing>
+    <p:tnLst>
+      <p:par>
+        <p:cTn id="1" dur="indefinite" restart="never" nodeType="tmRoot"/>
+      </p:par>
+    </p:tnLst>
+  </p:timing>
+</p:sld>
+</file>
+
+<file path=ppt/slides/slide5.xml><?xml version="1.0" encoding="utf-8"?>
+<p:sld xmlns:a="http://schemas.openxmlformats.org/drawingml/2006/main" xmlns:r="http://schemas.openxmlformats.org/officeDocument/2006/relationships" xmlns:p="http://schemas.openxmlformats.org/presentationml/2006/main">
+  <p:cSld>
+    <p:spTree>
+      <p:nvGrpSpPr>
+        <p:cNvPr id="1" name=""/>
+        <p:cNvGrpSpPr/>
+        <p:nvPr/>
+      </p:nvGrpSpPr>
+      <p:grpSpPr>
+        <a:xfrm>
+          <a:off x="0" y="0"/>
+          <a:ext cx="0" cy="0"/>
+          <a:chOff x="0" y="0"/>
+          <a:chExt cx="0" cy="0"/>
+        </a:xfrm>
+      </p:grpSpPr>
+      <p:sp>
+        <p:nvSpPr>
+          <p:cNvPr id="2" name="标题 1"/>
+          <p:cNvSpPr>
+            <a:spLocks noGrp="1"/>
+          </p:cNvSpPr>
+          <p:nvPr>
+            <p:ph type="title"/>
+          </p:nvPr>
+        </p:nvSpPr>
+        <p:spPr/>
+        <p:txBody>
+          <a:bodyPr/>
+          <a:lstStyle/>
+          <a:p>
+            <a:r>
+              <a:rPr kumimoji="1" lang="zh-CN" altLang="en-US" smtClean="0"/>
+              <a:t>演示</a:t>
+            </a:r>
             <a:endParaRPr kumimoji="1" lang="zh-CN" altLang="en-US"/>
+          </a:p>
+        </p:txBody>
+      </p:sp>
+      <p:sp>
+        <p:nvSpPr>
+          <p:cNvPr id="3" name="内容占位符 2"/>
+          <p:cNvSpPr>
+            <a:spLocks noGrp="1"/>
+          </p:cNvSpPr>
+          <p:nvPr>
+            <p:ph sz="quarter" idx="13"/>
+          </p:nvPr>
+        </p:nvSpPr>
+        <p:spPr/>
+        <p:txBody>
+          <a:bodyPr/>
+          <a:lstStyle/>
+          <a:p>
+            <a:endParaRPr kumimoji="1" lang="zh-CN" altLang="en-US"/>
+          </a:p>
+        </p:txBody>
+      </p:sp>
+    </p:spTree>
+    <p:extLst>
+      <p:ext uri="{BB962C8B-B14F-4D97-AF65-F5344CB8AC3E}">
+        <p14:creationId xmlns:p14="http://schemas.microsoft.com/office/powerpoint/2010/main" val="1783089099"/>
+      </p:ext>
+    </p:extLst>
+  </p:cSld>
+  <p:clrMapOvr>
+    <a:masterClrMapping/>
+  </p:clrMapOvr>
+  <p:timing>
+    <p:tnLst>
+      <p:par>
+        <p:cTn id="1" dur="indefinite" restart="never" nodeType="tmRoot"/>
+      </p:par>
+    </p:tnLst>
+  </p:timing>
+</p:sld>
+</file>
+
+<file path=ppt/slides/slide6.xml><?xml version="1.0" encoding="utf-8"?>
+<p:sld xmlns:a="http://schemas.openxmlformats.org/drawingml/2006/main" xmlns:r="http://schemas.openxmlformats.org/officeDocument/2006/relationships" xmlns:p="http://schemas.openxmlformats.org/presentationml/2006/main">
+  <p:cSld>
+    <p:spTree>
+      <p:nvGrpSpPr>
+        <p:cNvPr id="1" name=""/>
+        <p:cNvGrpSpPr/>
+        <p:nvPr/>
+      </p:nvGrpSpPr>
+      <p:grpSpPr>
+        <a:xfrm>
+          <a:off x="0" y="0"/>
+          <a:ext cx="0" cy="0"/>
+          <a:chOff x="0" y="0"/>
+          <a:chExt cx="0" cy="0"/>
+        </a:xfrm>
+      </p:grpSpPr>
+      <p:sp>
+        <p:nvSpPr>
+          <p:cNvPr id="2" name="标题 1"/>
+          <p:cNvSpPr>
+            <a:spLocks noGrp="1"/>
+          </p:cNvSpPr>
+          <p:nvPr>
+            <p:ph type="title"/>
+          </p:nvPr>
+        </p:nvSpPr>
+        <p:spPr/>
+        <p:txBody>
+          <a:bodyPr/>
+          <a:lstStyle/>
+          <a:p>
+            <a:r>
+              <a:rPr kumimoji="1" lang="zh-CN" altLang="en-US" dirty="0" smtClean="0"/>
+              <a:t>实验过程 </a:t>
+            </a:r>
+            <a:r>
+              <a:rPr kumimoji="1" lang="en-US" altLang="zh-CN" dirty="0" smtClean="0"/>
+              <a:t>—</a:t>
+            </a:r>
+            <a:r>
+              <a:rPr kumimoji="1" lang="zh-CN" altLang="en-US" dirty="0" smtClean="0"/>
+              <a:t> 中间</a:t>
+            </a:r>
+            <a:r>
+              <a:rPr kumimoji="1" lang="zh-CN" altLang="en-US" dirty="0"/>
+              <a:t>人攻击</a:t>
+            </a:r>
+            <a:endParaRPr kumimoji="1" lang="zh-CN" altLang="en-US" dirty="0"/>
+          </a:p>
+        </p:txBody>
+      </p:sp>
+      <p:sp>
+        <p:nvSpPr>
+          <p:cNvPr id="3" name="内容占位符 2"/>
+          <p:cNvSpPr>
+            <a:spLocks noGrp="1"/>
+          </p:cNvSpPr>
+          <p:nvPr>
+            <p:ph sz="quarter" idx="13"/>
+          </p:nvPr>
+        </p:nvSpPr>
+        <p:spPr/>
+        <p:txBody>
+          <a:bodyPr>
+            <a:normAutofit fontScale="92500" lnSpcReduction="10000"/>
+          </a:bodyPr>
+          <a:lstStyle/>
+          <a:p>
+            <a:r>
+              <a:rPr kumimoji="1" lang="zh-CN" altLang="en-US" sz="3600" dirty="0" smtClean="0"/>
+              <a:t>打开包转发，并将</a:t>
+            </a:r>
+            <a:r>
+              <a:rPr kumimoji="1" lang="en-US" altLang="zh-CN" sz="3600" dirty="0" smtClean="0"/>
+              <a:t>HTTP</a:t>
+            </a:r>
+            <a:r>
+              <a:rPr kumimoji="1" lang="zh-CN" altLang="en-US" sz="3600" dirty="0" smtClean="0"/>
+              <a:t>和</a:t>
+            </a:r>
+            <a:r>
+              <a:rPr kumimoji="1" lang="en-US" altLang="zh-CN" sz="3600" dirty="0" smtClean="0"/>
+              <a:t>HTTPS</a:t>
+            </a:r>
+            <a:r>
+              <a:rPr kumimoji="1" lang="zh-CN" altLang="en-US" sz="3600" dirty="0" smtClean="0"/>
+              <a:t>请求转发至</a:t>
+            </a:r>
+            <a:r>
+              <a:rPr kumimoji="1" lang="en-US" altLang="zh-CN" sz="3600" dirty="0" smtClean="0"/>
+              <a:t>MITMPROXY</a:t>
+            </a:r>
+            <a:r>
+              <a:rPr kumimoji="1" lang="zh-CN" altLang="en-US" sz="3600" dirty="0" smtClean="0"/>
+              <a:t>（</a:t>
+            </a:r>
+            <a:r>
+              <a:rPr kumimoji="1" lang="en-US" altLang="zh-CN" sz="3600" dirty="0" smtClean="0"/>
+              <a:t>NAPT</a:t>
+            </a:r>
+            <a:r>
+              <a:rPr kumimoji="1" lang="zh-CN" altLang="en-US" sz="3600" dirty="0" smtClean="0"/>
+              <a:t>）</a:t>
+            </a:r>
+          </a:p>
+          <a:p>
+            <a:r>
+              <a:rPr kumimoji="1" lang="zh-CN" altLang="en-US" sz="3600" dirty="0" smtClean="0"/>
+              <a:t>运行双向</a:t>
+            </a:r>
+            <a:r>
+              <a:rPr kumimoji="1" lang="en-US" altLang="zh-CN" sz="3600" dirty="0" smtClean="0"/>
+              <a:t>ARP</a:t>
+            </a:r>
+            <a:r>
+              <a:rPr kumimoji="1" lang="zh-CN" altLang="en-US" sz="3600" dirty="0" smtClean="0"/>
+              <a:t>欺骗脚本，事实上，</a:t>
+            </a:r>
+            <a:r>
+              <a:rPr kumimoji="1" lang="zh-CN" altLang="en-US" sz="3600" dirty="0"/>
+              <a:t>只需要欺骗受害者</a:t>
+            </a:r>
+            <a:endParaRPr kumimoji="1" lang="zh-CN" altLang="en-US" sz="3600" dirty="0" smtClean="0"/>
+          </a:p>
+          <a:p>
+            <a:r>
+              <a:rPr kumimoji="1" lang="zh-CN" altLang="en-US" sz="3600" dirty="0" smtClean="0"/>
+              <a:t>使用</a:t>
+            </a:r>
+            <a:r>
+              <a:rPr kumimoji="1" lang="en-US" altLang="zh-CN" sz="3600" dirty="0" err="1" smtClean="0"/>
+              <a:t>wireshark</a:t>
+            </a:r>
+            <a:r>
+              <a:rPr kumimoji="1" lang="zh-CN" altLang="en-US" sz="3600" dirty="0" smtClean="0"/>
+              <a:t>抓包</a:t>
+            </a:r>
+            <a:endParaRPr kumimoji="1" lang="en-US" altLang="zh-CN" sz="3600" dirty="0" smtClean="0"/>
+          </a:p>
+          <a:p>
+            <a:r>
+              <a:rPr kumimoji="1" lang="zh-CN" altLang="en-US" sz="3600" dirty="0" smtClean="0"/>
+              <a:t>注：在真实环境中，实验效果一致。</a:t>
+            </a:r>
+            <a:endParaRPr kumimoji="1" lang="zh-CN" altLang="en-US" sz="3600" dirty="0"/>
+          </a:p>
+        </p:txBody>
+      </p:sp>
+    </p:spTree>
+    <p:extLst>
+      <p:ext uri="{BB962C8B-B14F-4D97-AF65-F5344CB8AC3E}">
+        <p14:creationId xmlns:p14="http://schemas.microsoft.com/office/powerpoint/2010/main" val="831870676"/>
+      </p:ext>
+    </p:extLst>
+  </p:cSld>
+  <p:clrMapOvr>
+    <a:masterClrMapping/>
+  </p:clrMapOvr>
+  <p:timing>
+    <p:tnLst>
+      <p:par>
+        <p:cTn id="1" dur="indefinite" restart="never" nodeType="tmRoot"/>
+      </p:par>
+    </p:tnLst>
+  </p:timing>
+</p:sld>
+</file>
+
+<file path=ppt/slides/slide7.xml><?xml version="1.0" encoding="utf-8"?>
+<p:sld xmlns:a="http://schemas.openxmlformats.org/drawingml/2006/main" xmlns:r="http://schemas.openxmlformats.org/officeDocument/2006/relationships" xmlns:p="http://schemas.openxmlformats.org/presentationml/2006/main">
+  <p:cSld>
+    <p:spTree>
+      <p:nvGrpSpPr>
+        <p:cNvPr id="1" name=""/>
+        <p:cNvGrpSpPr/>
+        <p:nvPr/>
+      </p:nvGrpSpPr>
+      <p:grpSpPr>
+        <a:xfrm>
+          <a:off x="0" y="0"/>
+          <a:ext cx="0" cy="0"/>
+          <a:chOff x="0" y="0"/>
+          <a:chExt cx="0" cy="0"/>
+        </a:xfrm>
+      </p:grpSpPr>
+      <p:sp>
+        <p:nvSpPr>
+          <p:cNvPr id="2" name="标题 1"/>
+          <p:cNvSpPr>
+            <a:spLocks noGrp="1"/>
+          </p:cNvSpPr>
+          <p:nvPr>
+            <p:ph type="title"/>
+          </p:nvPr>
+        </p:nvSpPr>
+        <p:spPr/>
+        <p:txBody>
+          <a:bodyPr/>
+          <a:lstStyle/>
+          <a:p>
+            <a:r>
+              <a:rPr kumimoji="1" lang="zh-CN" altLang="en-US" dirty="0" smtClean="0"/>
+              <a:t>演示</a:t>
+            </a:r>
+            <a:endParaRPr kumimoji="1" lang="zh-CN" altLang="en-US" dirty="0"/>
+          </a:p>
+        </p:txBody>
+      </p:sp>
+      <p:sp>
+        <p:nvSpPr>
+          <p:cNvPr id="3" name="内容占位符 2"/>
+          <p:cNvSpPr>
+            <a:spLocks noGrp="1"/>
+          </p:cNvSpPr>
+          <p:nvPr>
+            <p:ph sz="quarter" idx="13"/>
+          </p:nvPr>
+        </p:nvSpPr>
+        <p:spPr/>
+        <p:txBody>
+          <a:bodyPr/>
+          <a:lstStyle/>
+          <a:p>
+            <a:endParaRPr kumimoji="1" lang="zh-CN" altLang="en-US"/>
+          </a:p>
+        </p:txBody>
+      </p:sp>
+    </p:spTree>
+    <p:extLst>
+      <p:ext uri="{BB962C8B-B14F-4D97-AF65-F5344CB8AC3E}">
+        <p14:creationId xmlns:p14="http://schemas.microsoft.com/office/powerpoint/2010/main" val="40525421"/>
+      </p:ext>
+    </p:extLst>
+  </p:cSld>
+  <p:clrMapOvr>
+    <a:masterClrMapping/>
+  </p:clrMapOvr>
+  <p:timing>
+    <p:tnLst>
+      <p:par>
+        <p:cTn id="1" dur="indefinite" restart="never" nodeType="tmRoot"/>
+      </p:par>
+    </p:tnLst>
+  </p:timing>
+</p:sld>
+</file>
+
+<file path=ppt/slides/slide8.xml><?xml version="1.0" encoding="utf-8"?>
+<p:sld xmlns:a="http://schemas.openxmlformats.org/drawingml/2006/main" xmlns:r="http://schemas.openxmlformats.org/officeDocument/2006/relationships" xmlns:p="http://schemas.openxmlformats.org/presentationml/2006/main">
+  <p:cSld>
+    <p:spTree>
+      <p:nvGrpSpPr>
+        <p:cNvPr id="1" name=""/>
+        <p:cNvGrpSpPr/>
+        <p:nvPr/>
+      </p:nvGrpSpPr>
+      <p:grpSpPr>
+        <a:xfrm>
+          <a:off x="0" y="0"/>
+          <a:ext cx="0" cy="0"/>
+          <a:chOff x="0" y="0"/>
+          <a:chExt cx="0" cy="0"/>
+        </a:xfrm>
+      </p:grpSpPr>
+      <p:sp>
+        <p:nvSpPr>
+          <p:cNvPr id="2" name="标题 1"/>
+          <p:cNvSpPr>
+            <a:spLocks noGrp="1"/>
+          </p:cNvSpPr>
+          <p:nvPr>
+            <p:ph type="title"/>
+          </p:nvPr>
+        </p:nvSpPr>
+        <p:spPr>
+          <a:xfrm>
+            <a:off x="2757484" y="1228727"/>
+            <a:ext cx="7200898" cy="3643311"/>
+          </a:xfrm>
+        </p:spPr>
+        <p:txBody>
+          <a:bodyPr>
+            <a:noAutofit/>
+          </a:bodyPr>
+          <a:lstStyle/>
+          <a:p>
+            <a:r>
+              <a:rPr kumimoji="1" lang="zh-CN" altLang="en-US" sz="19900" b="1" dirty="0" smtClean="0"/>
+              <a:t>谢谢！</a:t>
+            </a:r>
+            <a:endParaRPr kumimoji="1" lang="zh-CN" altLang="en-US" sz="19900" b="1" dirty="0"/>
           </a:p>
         </p:txBody>
       </p:sp>

--- a/lab2_mitm/slides.pptx
+++ b/lab2_mitm/slides.pptx
@@ -11,8 +11,10 @@
     <p:sldId id="260" r:id="rId5"/>
     <p:sldId id="263" r:id="rId6"/>
     <p:sldId id="261" r:id="rId7"/>
-    <p:sldId id="262" r:id="rId8"/>
-    <p:sldId id="258" r:id="rId9"/>
+    <p:sldId id="265" r:id="rId8"/>
+    <p:sldId id="264" r:id="rId9"/>
+    <p:sldId id="262" r:id="rId10"/>
+    <p:sldId id="258" r:id="rId11"/>
   </p:sldIdLst>
   <p:sldSz cx="12192000" cy="6858000"/>
   <p:notesSz cx="6858000" cy="9144000"/>
@@ -6187,6 +6189,66 @@
       </p:par>
     </p:tnLst>
   </p:timing>
+</p:sld>
+</file>
+
+<file path=ppt/slides/slide10.xml><?xml version="1.0" encoding="utf-8"?>
+<p:sld xmlns:a="http://schemas.openxmlformats.org/drawingml/2006/main" xmlns:r="http://schemas.openxmlformats.org/officeDocument/2006/relationships" xmlns:p="http://schemas.openxmlformats.org/presentationml/2006/main">
+  <p:cSld>
+    <p:spTree>
+      <p:nvGrpSpPr>
+        <p:cNvPr id="1" name=""/>
+        <p:cNvGrpSpPr/>
+        <p:nvPr/>
+      </p:nvGrpSpPr>
+      <p:grpSpPr>
+        <a:xfrm>
+          <a:off x="0" y="0"/>
+          <a:ext cx="0" cy="0"/>
+          <a:chOff x="0" y="0"/>
+          <a:chExt cx="0" cy="0"/>
+        </a:xfrm>
+      </p:grpSpPr>
+      <p:sp>
+        <p:nvSpPr>
+          <p:cNvPr id="2" name="标题 1"/>
+          <p:cNvSpPr>
+            <a:spLocks noGrp="1"/>
+          </p:cNvSpPr>
+          <p:nvPr>
+            <p:ph type="title"/>
+          </p:nvPr>
+        </p:nvSpPr>
+        <p:spPr>
+          <a:xfrm>
+            <a:off x="4543422" y="1985965"/>
+            <a:ext cx="3100391" cy="1643061"/>
+          </a:xfrm>
+        </p:spPr>
+        <p:txBody>
+          <a:bodyPr>
+            <a:noAutofit/>
+          </a:bodyPr>
+          <a:lstStyle/>
+          <a:p>
+            <a:r>
+              <a:rPr kumimoji="1" lang="zh-CN" altLang="en-US" sz="8000" b="1" dirty="0" smtClean="0"/>
+              <a:t>谢谢！</a:t>
+            </a:r>
+            <a:endParaRPr kumimoji="1" lang="zh-CN" altLang="en-US" sz="8000" b="1" dirty="0"/>
+          </a:p>
+        </p:txBody>
+      </p:sp>
+    </p:spTree>
+    <p:extLst>
+      <p:ext uri="{BB962C8B-B14F-4D97-AF65-F5344CB8AC3E}">
+        <p14:creationId xmlns:p14="http://schemas.microsoft.com/office/powerpoint/2010/main" val="1169826965"/>
+      </p:ext>
+    </p:extLst>
+  </p:cSld>
+  <p:clrMapOvr>
+    <a:masterClrMapping/>
+  </p:clrMapOvr>
 </p:sld>
 </file>
 
@@ -7683,15 +7745,7 @@
             </a:r>
             <a:r>
               <a:rPr kumimoji="1" lang="zh-CN" altLang="en-US" sz="2400" dirty="0" smtClean="0"/>
-              <a:t>网络，</a:t>
-            </a:r>
-            <a:r>
-              <a:rPr kumimoji="1" lang="zh-CN" altLang="en-US" sz="2400" dirty="0" smtClean="0"/>
-              <a:t>实验结果类似</a:t>
-            </a:r>
-            <a:r>
-              <a:rPr kumimoji="1" lang="zh-CN" altLang="en-US" sz="2400" dirty="0" smtClean="0"/>
-              <a:t>。</a:t>
+              <a:t>网络，实验结果类似。</a:t>
             </a:r>
             <a:endParaRPr kumimoji="1" lang="zh-CN" altLang="en-US" sz="2400" b="1" dirty="0"/>
           </a:p>
@@ -7769,7 +7823,6 @@
               <a:rPr kumimoji="1" lang="zh-CN" altLang="en-US" dirty="0"/>
               <a:t>欺骗</a:t>
             </a:r>
-            <a:endParaRPr kumimoji="1" lang="zh-CN" altLang="en-US" dirty="0"/>
           </a:p>
         </p:txBody>
       </p:sp>
@@ -7827,7 +7880,23 @@
           <a:p>
             <a:r>
               <a:rPr kumimoji="1" lang="zh-CN" altLang="en-US" sz="3600" dirty="0" smtClean="0"/>
-              <a:t>注：在真实环境中，欺骗网关失败，只能获得受害者发向网关的数据包。</a:t>
+              <a:t>注：在真实环境中，欺骗网关失败，只</a:t>
+            </a:r>
+            <a:r>
+              <a:rPr kumimoji="1" lang="zh-CN" altLang="en-US" sz="3600" dirty="0" smtClean="0"/>
+              <a:t>能</a:t>
+            </a:r>
+            <a:r>
+              <a:rPr kumimoji="1" lang="zh-CN" altLang="en-US" sz="3600" dirty="0" smtClean="0"/>
+              <a:t>截获</a:t>
+            </a:r>
+            <a:r>
+              <a:rPr kumimoji="1" lang="zh-CN" altLang="en-US" sz="3600" dirty="0" smtClean="0"/>
+              <a:t>受害者</a:t>
+            </a:r>
+            <a:r>
+              <a:rPr kumimoji="1" lang="zh-CN" altLang="en-US" sz="3600" dirty="0" smtClean="0"/>
+              <a:t>发向网关的数据包。</a:t>
             </a:r>
             <a:endParaRPr kumimoji="1" lang="zh-CN" altLang="en-US" sz="3600" dirty="0"/>
           </a:p>
@@ -7886,10 +7955,22 @@
           <a:lstStyle/>
           <a:p>
             <a:r>
-              <a:rPr kumimoji="1" lang="zh-CN" altLang="en-US" smtClean="0"/>
+              <a:rPr kumimoji="1" lang="zh-CN" altLang="en-US" dirty="0" smtClean="0"/>
+              <a:t>实验结果 </a:t>
+            </a:r>
+            <a:r>
+              <a:rPr kumimoji="1" lang="en-US" altLang="zh-CN" dirty="0" smtClean="0"/>
+              <a:t>—</a:t>
+            </a:r>
+            <a:r>
+              <a:rPr kumimoji="1" lang="zh-CN" altLang="en-US" dirty="0" smtClean="0"/>
+              <a:t> </a:t>
+            </a:r>
+            <a:r>
+              <a:rPr kumimoji="1" lang="zh-CN" altLang="en-US" dirty="0" smtClean="0"/>
               <a:t>演示</a:t>
             </a:r>
-            <a:endParaRPr kumimoji="1" lang="zh-CN" altLang="en-US"/>
+            <a:endParaRPr kumimoji="1" lang="zh-CN" altLang="en-US" dirty="0"/>
           </a:p>
         </p:txBody>
       </p:sp>
@@ -7905,10 +7986,32 @@
         </p:nvSpPr>
         <p:spPr/>
         <p:txBody>
-          <a:bodyPr/>
+          <a:bodyPr>
+            <a:normAutofit/>
+          </a:bodyPr>
           <a:lstStyle/>
           <a:p>
-            <a:endParaRPr kumimoji="1" lang="zh-CN" altLang="en-US"/>
+            <a:r>
+              <a:rPr kumimoji="1" lang="zh-CN" altLang="en-US" sz="3200" dirty="0" smtClean="0"/>
+              <a:t>截获</a:t>
+            </a:r>
+            <a:r>
+              <a:rPr kumimoji="1" lang="en-US" altLang="zh-CN" sz="3200" dirty="0" smtClean="0"/>
+              <a:t>ping</a:t>
+            </a:r>
+            <a:r>
+              <a:rPr kumimoji="1" lang="zh-CN" altLang="en-US" sz="3200" dirty="0" smtClean="0"/>
+              <a:t>请求、</a:t>
+            </a:r>
+            <a:r>
+              <a:rPr kumimoji="1" lang="en-US" altLang="zh-CN" sz="3200" dirty="0" smtClean="0"/>
+              <a:t>HTTP</a:t>
+            </a:r>
+            <a:r>
+              <a:rPr kumimoji="1" lang="zh-CN" altLang="en-US" sz="3200" dirty="0" smtClean="0"/>
+              <a:t>流量等</a:t>
+            </a:r>
+            <a:endParaRPr kumimoji="1" lang="zh-CN" altLang="en-US" sz="3200" dirty="0"/>
           </a:p>
         </p:txBody>
       </p:sp>
@@ -7980,7 +8083,6 @@
               <a:rPr kumimoji="1" lang="zh-CN" altLang="en-US" dirty="0"/>
               <a:t>人攻击</a:t>
             </a:r>
-            <a:endParaRPr kumimoji="1" lang="zh-CN" altLang="en-US" dirty="0"/>
           </a:p>
         </p:txBody>
       </p:sp>
@@ -8011,15 +8113,19 @@
             </a:r>
             <a:r>
               <a:rPr kumimoji="1" lang="zh-CN" altLang="en-US" sz="3600" dirty="0" smtClean="0"/>
-              <a:t>和</a:t>
-            </a:r>
-            <a:r>
-              <a:rPr kumimoji="1" lang="en-US" altLang="zh-CN" sz="3600" dirty="0" smtClean="0"/>
-              <a:t>HTTPS</a:t>
+              <a:t>请求</a:t>
             </a:r>
             <a:r>
               <a:rPr kumimoji="1" lang="zh-CN" altLang="en-US" sz="3600" dirty="0" smtClean="0"/>
-              <a:t>请求转发至</a:t>
+              <a:t>转发</a:t>
+            </a:r>
+            <a:r>
+              <a:rPr kumimoji="1" lang="zh-CN" altLang="en-US" sz="3600" dirty="0" smtClean="0"/>
+              <a:t>至</a:t>
+            </a:r>
+            <a:r>
+              <a:rPr kumimoji="1" lang="zh-CN" altLang="en-US" sz="3600" dirty="0" smtClean="0"/>
+              <a:t>攻击者自己的</a:t>
             </a:r>
             <a:r>
               <a:rPr kumimoji="1" lang="en-US" altLang="zh-CN" sz="3600" dirty="0" smtClean="0"/>
@@ -8037,6 +8143,22 @@
               <a:rPr kumimoji="1" lang="zh-CN" altLang="en-US" sz="3600" dirty="0" smtClean="0"/>
               <a:t>）</a:t>
             </a:r>
+            <a:endParaRPr kumimoji="1" lang="en-US" altLang="zh-CN" sz="3600" dirty="0" smtClean="0"/>
+          </a:p>
+          <a:p>
+            <a:r>
+              <a:rPr kumimoji="1" lang="zh-CN" altLang="en-US" sz="3600" dirty="0" smtClean="0"/>
+              <a:t>运行</a:t>
+            </a:r>
+            <a:r>
+              <a:rPr kumimoji="1" lang="en-US" altLang="zh-CN" sz="3600" dirty="0" err="1" smtClean="0"/>
+              <a:t>mitmproxy</a:t>
+            </a:r>
+            <a:r>
+              <a:rPr kumimoji="1" lang="zh-CN" altLang="en-US" sz="3600" dirty="0" smtClean="0"/>
+              <a:t>脚本</a:t>
+            </a:r>
+            <a:endParaRPr kumimoji="1" lang="zh-CN" altLang="en-US" sz="3600" dirty="0" smtClean="0"/>
           </a:p>
           <a:p>
             <a:r>
@@ -8060,22 +8182,11 @@
           <a:p>
             <a:r>
               <a:rPr kumimoji="1" lang="zh-CN" altLang="en-US" sz="3600" dirty="0" smtClean="0"/>
-              <a:t>使用</a:t>
-            </a:r>
-            <a:r>
-              <a:rPr kumimoji="1" lang="en-US" altLang="zh-CN" sz="3600" dirty="0" err="1" smtClean="0"/>
-              <a:t>wireshark</a:t>
+              <a:t>注</a:t>
             </a:r>
             <a:r>
               <a:rPr kumimoji="1" lang="zh-CN" altLang="en-US" sz="3600" dirty="0" smtClean="0"/>
-              <a:t>抓包</a:t>
-            </a:r>
-            <a:endParaRPr kumimoji="1" lang="en-US" altLang="zh-CN" sz="3600" dirty="0" smtClean="0"/>
-          </a:p>
-          <a:p>
-            <a:r>
-              <a:rPr kumimoji="1" lang="zh-CN" altLang="en-US" sz="3600" dirty="0" smtClean="0"/>
-              <a:t>注：在真实环境中，实验效果一致。</a:t>
+              <a:t>：在真实环境中，实验效果一致。</a:t>
             </a:r>
             <a:endParaRPr kumimoji="1" lang="zh-CN" altLang="en-US" sz="3600" dirty="0"/>
           </a:p>
@@ -8135,6 +8246,18 @@
           <a:p>
             <a:r>
               <a:rPr kumimoji="1" lang="zh-CN" altLang="en-US" dirty="0" smtClean="0"/>
+              <a:t>实验结果 </a:t>
+            </a:r>
+            <a:r>
+              <a:rPr kumimoji="1" lang="en-US" altLang="zh-CN" dirty="0" smtClean="0"/>
+              <a:t>—</a:t>
+            </a:r>
+            <a:r>
+              <a:rPr kumimoji="1" lang="zh-CN" altLang="en-US" dirty="0" smtClean="0"/>
+              <a:t> </a:t>
+            </a:r>
+            <a:r>
+              <a:rPr kumimoji="1" lang="zh-CN" altLang="en-US" dirty="0" smtClean="0"/>
               <a:t>演示</a:t>
             </a:r>
             <a:endParaRPr kumimoji="1" lang="zh-CN" altLang="en-US" dirty="0"/>
@@ -8153,17 +8276,65 @@
         </p:nvSpPr>
         <p:spPr/>
         <p:txBody>
-          <a:bodyPr/>
+          <a:bodyPr>
+            <a:noAutofit/>
+          </a:bodyPr>
           <a:lstStyle/>
           <a:p>
-            <a:endParaRPr kumimoji="1" lang="zh-CN" altLang="en-US"/>
+            <a:r>
+              <a:rPr kumimoji="1" lang="zh-CN" altLang="en-US" sz="2800" dirty="0" smtClean="0"/>
+              <a:t>篡改某些校内站点的表单提交地址，由</a:t>
+            </a:r>
+            <a:r>
+              <a:rPr kumimoji="1" lang="en-US" altLang="zh-CN" sz="2800" dirty="0" smtClean="0"/>
+              <a:t>HTTPS</a:t>
+            </a:r>
+            <a:r>
+              <a:rPr kumimoji="1" lang="zh-CN" altLang="en-US" sz="2800" dirty="0" smtClean="0"/>
+              <a:t>改为</a:t>
+            </a:r>
+            <a:r>
+              <a:rPr kumimoji="1" lang="en-US" altLang="zh-CN" sz="2800" dirty="0" smtClean="0"/>
+              <a:t>HTTP</a:t>
+            </a:r>
+            <a:r>
+              <a:rPr kumimoji="1" lang="zh-CN" altLang="en-US" sz="2800" dirty="0" smtClean="0"/>
+              <a:t>（降级攻击），以便截获账号密码（此时不需要伪造证书，</a:t>
+            </a:r>
+            <a:r>
+              <a:rPr kumimoji="1" lang="zh-CN" altLang="en-US" sz="2800" dirty="0"/>
+              <a:t>没有截获</a:t>
+            </a:r>
+            <a:r>
+              <a:rPr kumimoji="1" lang="en-US" altLang="zh-CN" sz="2800" dirty="0"/>
+              <a:t>HTTPS</a:t>
+            </a:r>
+            <a:r>
+              <a:rPr kumimoji="1" lang="zh-CN" altLang="en-US" sz="2800" dirty="0" smtClean="0"/>
+              <a:t>请求</a:t>
+            </a:r>
+            <a:r>
+              <a:rPr kumimoji="1" lang="zh-CN" altLang="en-US" sz="2800" dirty="0" smtClean="0"/>
+              <a:t>）</a:t>
+            </a:r>
+          </a:p>
+          <a:p>
+            <a:r>
+              <a:rPr kumimoji="1" lang="zh-CN" altLang="en-US" sz="2800" dirty="0" smtClean="0"/>
+              <a:t>篡改图片为黑白点阵，在真实环境中，微信部分图片也受到影响</a:t>
+            </a:r>
+            <a:r>
+              <a:rPr kumimoji="1" lang="is-IS" altLang="zh-CN" sz="2800" dirty="0" smtClean="0"/>
+              <a:t>……</a:t>
+            </a:r>
+            <a:endParaRPr kumimoji="1" lang="zh-CN" altLang="en-US" sz="2800" dirty="0" smtClean="0"/>
           </a:p>
         </p:txBody>
       </p:sp>
     </p:spTree>
     <p:extLst>
       <p:ext uri="{BB962C8B-B14F-4D97-AF65-F5344CB8AC3E}">
-        <p14:creationId xmlns:p14="http://schemas.microsoft.com/office/powerpoint/2010/main" val="40525421"/>
+        <p14:creationId xmlns:p14="http://schemas.microsoft.com/office/powerpoint/2010/main" val="1770764813"/>
       </p:ext>
     </p:extLst>
   </p:cSld>
@@ -8207,36 +8378,268 @@
             <p:ph type="title"/>
           </p:nvPr>
         </p:nvSpPr>
-        <p:spPr>
-          <a:xfrm>
-            <a:off x="2757484" y="1228727"/>
-            <a:ext cx="7200898" cy="3643311"/>
-          </a:xfrm>
-        </p:spPr>
+        <p:spPr/>
         <p:txBody>
           <a:bodyPr>
-            <a:noAutofit/>
+            <a:normAutofit fontScale="90000"/>
           </a:bodyPr>
           <a:lstStyle/>
           <a:p>
             <a:r>
-              <a:rPr kumimoji="1" lang="zh-CN" altLang="en-US" sz="19900" b="1" dirty="0" smtClean="0"/>
-              <a:t>谢谢！</a:t>
-            </a:r>
-            <a:endParaRPr kumimoji="1" lang="zh-CN" altLang="en-US" sz="19900" b="1" dirty="0"/>
+              <a:rPr kumimoji="1" lang="zh-CN" altLang="en-US" dirty="0" smtClean="0"/>
+              <a:t>实验过程 </a:t>
+            </a:r>
+            <a:r>
+              <a:rPr kumimoji="1" lang="en-US" altLang="zh-CN" dirty="0" smtClean="0"/>
+              <a:t>—</a:t>
+            </a:r>
+            <a:r>
+              <a:rPr kumimoji="1" lang="zh-CN" altLang="en-US" dirty="0" smtClean="0"/>
+              <a:t> </a:t>
+            </a:r>
+            <a:r>
+              <a:rPr kumimoji="1" lang="zh-CN" altLang="en-US" dirty="0" smtClean="0"/>
+              <a:t>对</a:t>
+            </a:r>
+            <a:r>
+              <a:rPr kumimoji="1" lang="en-US" altLang="zh-CN" dirty="0"/>
+              <a:t>HTTPS</a:t>
+            </a:r>
+            <a:r>
+              <a:rPr kumimoji="1" lang="zh-CN" altLang="en-US" dirty="0"/>
+              <a:t>的中间人攻击</a:t>
+            </a:r>
+            <a:endParaRPr kumimoji="1" lang="zh-CN" altLang="en-US" dirty="0"/>
+          </a:p>
+        </p:txBody>
+      </p:sp>
+      <p:sp>
+        <p:nvSpPr>
+          <p:cNvPr id="3" name="内容占位符 2"/>
+          <p:cNvSpPr>
+            <a:spLocks noGrp="1"/>
+          </p:cNvSpPr>
+          <p:nvPr>
+            <p:ph sz="quarter" idx="13"/>
+          </p:nvPr>
+        </p:nvSpPr>
+        <p:spPr/>
+        <p:txBody>
+          <a:bodyPr>
+            <a:normAutofit fontScale="85000" lnSpcReduction="10000"/>
+          </a:bodyPr>
+          <a:lstStyle/>
+          <a:p>
+            <a:r>
+              <a:rPr kumimoji="1" lang="zh-CN" altLang="en-US" sz="3600" dirty="0" smtClean="0"/>
+              <a:t>将</a:t>
+            </a:r>
+            <a:r>
+              <a:rPr kumimoji="1" lang="en-US" altLang="zh-CN" sz="3600" dirty="0" smtClean="0"/>
+              <a:t>HTTPS</a:t>
+            </a:r>
+            <a:r>
+              <a:rPr kumimoji="1" lang="zh-CN" altLang="en-US" sz="3600" dirty="0" smtClean="0"/>
+              <a:t>请求也转发至</a:t>
+            </a:r>
+            <a:r>
+              <a:rPr kumimoji="1" lang="en-US" altLang="zh-CN" sz="3600" dirty="0" smtClean="0"/>
+              <a:t>MITMPROXY</a:t>
+            </a:r>
+            <a:r>
+              <a:rPr kumimoji="1" lang="zh-CN" altLang="en-US" sz="3600" dirty="0" smtClean="0"/>
+              <a:t>，然后进行攻击流程</a:t>
+            </a:r>
+            <a:endParaRPr kumimoji="1" lang="zh-CN" altLang="en-US" sz="3600" dirty="0" smtClean="0"/>
+          </a:p>
+          <a:p>
+            <a:r>
+              <a:rPr kumimoji="1" lang="en-US" altLang="zh-CN" sz="3600" dirty="0" err="1" smtClean="0"/>
+              <a:t>Mitmproxy</a:t>
+            </a:r>
+            <a:r>
+              <a:rPr kumimoji="1" lang="zh-CN" altLang="en-US" sz="3600" dirty="0" smtClean="0"/>
+              <a:t>配置有一个自签名的根证书，会根据每个请求的域名，自动生成相应域名的证书</a:t>
+            </a:r>
+          </a:p>
+          <a:p>
+            <a:r>
+              <a:rPr kumimoji="1" lang="zh-CN" altLang="en-US" sz="3600" dirty="0" smtClean="0"/>
+              <a:t>实验分别测试了普通</a:t>
+            </a:r>
+            <a:r>
+              <a:rPr kumimoji="1" lang="en-US" altLang="zh-CN" sz="3600" dirty="0" smtClean="0"/>
+              <a:t>HTTPS</a:t>
+            </a:r>
+            <a:r>
+              <a:rPr kumimoji="1" lang="zh-CN" altLang="en-US" sz="3600" dirty="0" smtClean="0"/>
+              <a:t>站点以及开启</a:t>
+            </a:r>
+            <a:r>
+              <a:rPr kumimoji="1" lang="en-US" altLang="zh-CN" sz="3600" dirty="0" smtClean="0"/>
+              <a:t>HSTS</a:t>
+            </a:r>
+            <a:r>
+              <a:rPr kumimoji="1" lang="zh-CN" altLang="en-US" sz="3600" dirty="0" smtClean="0"/>
+              <a:t>的</a:t>
+            </a:r>
+            <a:r>
+              <a:rPr kumimoji="1" lang="en-US" altLang="zh-CN" sz="3600" dirty="0" smtClean="0"/>
+              <a:t>HTTPS</a:t>
+            </a:r>
+            <a:r>
+              <a:rPr kumimoji="1" lang="zh-CN" altLang="en-US" sz="3600" dirty="0" smtClean="0"/>
+              <a:t>站点</a:t>
+            </a:r>
+            <a:endParaRPr kumimoji="1" lang="zh-CN" altLang="en-US" sz="3600" dirty="0"/>
           </a:p>
         </p:txBody>
       </p:sp>
     </p:spTree>
     <p:extLst>
       <p:ext uri="{BB962C8B-B14F-4D97-AF65-F5344CB8AC3E}">
-        <p14:creationId xmlns:p14="http://schemas.microsoft.com/office/powerpoint/2010/main" val="1169826965"/>
+        <p14:creationId xmlns:p14="http://schemas.microsoft.com/office/powerpoint/2010/main" val="1054132409"/>
       </p:ext>
     </p:extLst>
   </p:cSld>
   <p:clrMapOvr>
     <a:masterClrMapping/>
   </p:clrMapOvr>
+  <p:timing>
+    <p:tnLst>
+      <p:par>
+        <p:cTn id="1" dur="indefinite" restart="never" nodeType="tmRoot"/>
+      </p:par>
+    </p:tnLst>
+  </p:timing>
+</p:sld>
+</file>
+
+<file path=ppt/slides/slide9.xml><?xml version="1.0" encoding="utf-8"?>
+<p:sld xmlns:a="http://schemas.openxmlformats.org/drawingml/2006/main" xmlns:r="http://schemas.openxmlformats.org/officeDocument/2006/relationships" xmlns:p="http://schemas.openxmlformats.org/presentationml/2006/main">
+  <p:cSld>
+    <p:spTree>
+      <p:nvGrpSpPr>
+        <p:cNvPr id="1" name=""/>
+        <p:cNvGrpSpPr/>
+        <p:nvPr/>
+      </p:nvGrpSpPr>
+      <p:grpSpPr>
+        <a:xfrm>
+          <a:off x="0" y="0"/>
+          <a:ext cx="0" cy="0"/>
+          <a:chOff x="0" y="0"/>
+          <a:chExt cx="0" cy="0"/>
+        </a:xfrm>
+      </p:grpSpPr>
+      <p:sp>
+        <p:nvSpPr>
+          <p:cNvPr id="2" name="标题 1"/>
+          <p:cNvSpPr>
+            <a:spLocks noGrp="1"/>
+          </p:cNvSpPr>
+          <p:nvPr>
+            <p:ph type="title"/>
+          </p:nvPr>
+        </p:nvSpPr>
+        <p:spPr/>
+        <p:txBody>
+          <a:bodyPr/>
+          <a:lstStyle/>
+          <a:p>
+            <a:r>
+              <a:rPr kumimoji="1" lang="zh-CN" altLang="en-US" dirty="0" smtClean="0"/>
+              <a:t>实验结果 </a:t>
+            </a:r>
+            <a:r>
+              <a:rPr kumimoji="1" lang="en-US" altLang="zh-CN" dirty="0" smtClean="0"/>
+              <a:t>—</a:t>
+            </a:r>
+            <a:r>
+              <a:rPr kumimoji="1" lang="zh-CN" altLang="en-US" dirty="0" smtClean="0"/>
+              <a:t> </a:t>
+            </a:r>
+            <a:r>
+              <a:rPr kumimoji="1" lang="zh-CN" altLang="en-US" dirty="0" smtClean="0"/>
+              <a:t>演示</a:t>
+            </a:r>
+            <a:endParaRPr kumimoji="1" lang="zh-CN" altLang="en-US" dirty="0"/>
+          </a:p>
+        </p:txBody>
+      </p:sp>
+      <p:sp>
+        <p:nvSpPr>
+          <p:cNvPr id="3" name="内容占位符 2"/>
+          <p:cNvSpPr>
+            <a:spLocks noGrp="1"/>
+          </p:cNvSpPr>
+          <p:nvPr>
+            <p:ph sz="quarter" idx="13"/>
+          </p:nvPr>
+        </p:nvSpPr>
+        <p:spPr/>
+        <p:txBody>
+          <a:bodyPr>
+            <a:noAutofit/>
+          </a:bodyPr>
+          <a:lstStyle/>
+          <a:p>
+            <a:r>
+              <a:rPr kumimoji="1" lang="zh-CN" altLang="en-US" sz="3200" dirty="0" smtClean="0"/>
+              <a:t>普通</a:t>
+            </a:r>
+            <a:r>
+              <a:rPr kumimoji="1" lang="en-US" altLang="zh-CN" sz="3200" dirty="0" smtClean="0"/>
+              <a:t>HTTPS</a:t>
+            </a:r>
+            <a:r>
+              <a:rPr kumimoji="1" lang="zh-CN" altLang="en-US" sz="3200" dirty="0" smtClean="0"/>
+              <a:t>站点受到攻击的</a:t>
+            </a:r>
+            <a:r>
+              <a:rPr kumimoji="1" lang="zh-CN" altLang="en-US" sz="3200" dirty="0"/>
+              <a:t>情况，若受害者安全意识不高，选择了“继续前往</a:t>
+            </a:r>
+            <a:r>
+              <a:rPr kumimoji="1" lang="zh-CN" altLang="en-US" sz="3200" dirty="0" smtClean="0"/>
+              <a:t>”</a:t>
+            </a:r>
+            <a:r>
+              <a:rPr kumimoji="1" lang="is-IS" altLang="zh-CN" sz="3200" dirty="0" smtClean="0"/>
+              <a:t>……</a:t>
+            </a:r>
+            <a:endParaRPr kumimoji="1" lang="zh-CN" altLang="en-US" sz="3200" dirty="0"/>
+          </a:p>
+          <a:p>
+            <a:r>
+              <a:rPr kumimoji="1" lang="is-IS" altLang="zh-CN" sz="3200" dirty="0" smtClean="0"/>
+              <a:t>HSTS</a:t>
+            </a:r>
+            <a:r>
+              <a:rPr kumimoji="1" lang="zh-CN" altLang="en-US" sz="3200" dirty="0" smtClean="0"/>
+              <a:t>如何呢？</a:t>
+            </a:r>
+            <a:endParaRPr kumimoji="1" lang="is-IS" altLang="zh-CN" sz="3200" dirty="0" smtClean="0"/>
+          </a:p>
+        </p:txBody>
+      </p:sp>
+    </p:spTree>
+    <p:extLst>
+      <p:ext uri="{BB962C8B-B14F-4D97-AF65-F5344CB8AC3E}">
+        <p14:creationId xmlns:p14="http://schemas.microsoft.com/office/powerpoint/2010/main" val="40525421"/>
+      </p:ext>
+    </p:extLst>
+  </p:cSld>
+  <p:clrMapOvr>
+    <a:masterClrMapping/>
+  </p:clrMapOvr>
+  <p:timing>
+    <p:tnLst>
+      <p:par>
+        <p:cTn id="1" dur="indefinite" restart="never" nodeType="tmRoot"/>
+      </p:par>
+    </p:tnLst>
+  </p:timing>
 </p:sld>
 </file>
 
